--- a/DataBase/figure.pptx
+++ b/DataBase/figure.pptx
@@ -104,6 +104,11 @@
       </a:defRPr>
     </a:lvl9pPr>
   </p:defaultTextStyle>
+  <p:extLst>
+    <p:ext uri="{EFAFB233-063F-42B5-8137-9DF3F51BA10A}">
+      <p15:sldGuideLst xmlns:p15="http://schemas.microsoft.com/office/powerpoint/2012/main"/>
+    </p:ext>
+  </p:extLst>
 </p:presentation>
 </file>
 
@@ -149,7 +154,7 @@
           </a:lstStyle>
           <a:p>
             <a:r>
-              <a:rPr lang="en-US" smtClean="0"/>
+              <a:rPr lang="en-US"/>
               <a:t>Click to edit Master title style</a:t>
             </a:r>
             <a:endParaRPr lang="en-GB"/>
@@ -214,7 +219,7 @@
           </a:lstStyle>
           <a:p>
             <a:r>
-              <a:rPr lang="en-US" smtClean="0"/>
+              <a:rPr lang="en-US"/>
               <a:t>Click to edit Master subtitle style</a:t>
             </a:r>
             <a:endParaRPr lang="en-GB"/>
@@ -238,7 +243,7 @@
           <a:p>
             <a:fld id="{75417196-37C3-4D12-B2DA-85FC566F3878}" type="datetimeFigureOut">
               <a:rPr lang="en-GB" smtClean="0"/>
-              <a:t>22/11/2018</a:t>
+              <a:t>23/11/2018</a:t>
             </a:fld>
             <a:endParaRPr lang="en-GB"/>
           </a:p>
@@ -332,7 +337,7 @@
           <a:lstStyle/>
           <a:p>
             <a:r>
-              <a:rPr lang="en-US" smtClean="0"/>
+              <a:rPr lang="en-US"/>
               <a:t>Click to edit Master title style</a:t>
             </a:r>
             <a:endParaRPr lang="en-GB"/>
@@ -356,35 +361,35 @@
           <a:p>
             <a:pPr lvl="0"/>
             <a:r>
-              <a:rPr lang="en-US" smtClean="0"/>
+              <a:rPr lang="en-US"/>
               <a:t>Click to edit Master text styles</a:t>
             </a:r>
           </a:p>
           <a:p>
             <a:pPr lvl="1"/>
             <a:r>
-              <a:rPr lang="en-US" smtClean="0"/>
+              <a:rPr lang="en-US"/>
               <a:t>Second level</a:t>
             </a:r>
           </a:p>
           <a:p>
             <a:pPr lvl="2"/>
             <a:r>
-              <a:rPr lang="en-US" smtClean="0"/>
+              <a:rPr lang="en-US"/>
               <a:t>Third level</a:t>
             </a:r>
           </a:p>
           <a:p>
             <a:pPr lvl="3"/>
             <a:r>
-              <a:rPr lang="en-US" smtClean="0"/>
+              <a:rPr lang="en-US"/>
               <a:t>Fourth level</a:t>
             </a:r>
           </a:p>
           <a:p>
             <a:pPr lvl="4"/>
             <a:r>
-              <a:rPr lang="en-US" smtClean="0"/>
+              <a:rPr lang="en-US"/>
               <a:t>Fifth level</a:t>
             </a:r>
             <a:endParaRPr lang="en-GB"/>
@@ -408,7 +413,7 @@
           <a:p>
             <a:fld id="{75417196-37C3-4D12-B2DA-85FC566F3878}" type="datetimeFigureOut">
               <a:rPr lang="en-GB" smtClean="0"/>
-              <a:t>22/11/2018</a:t>
+              <a:t>23/11/2018</a:t>
             </a:fld>
             <a:endParaRPr lang="en-GB"/>
           </a:p>
@@ -507,7 +512,7 @@
           <a:lstStyle/>
           <a:p>
             <a:r>
-              <a:rPr lang="en-US" smtClean="0"/>
+              <a:rPr lang="en-US"/>
               <a:t>Click to edit Master title style</a:t>
             </a:r>
             <a:endParaRPr lang="en-GB"/>
@@ -536,35 +541,35 @@
           <a:p>
             <a:pPr lvl="0"/>
             <a:r>
-              <a:rPr lang="en-US" smtClean="0"/>
+              <a:rPr lang="en-US"/>
               <a:t>Click to edit Master text styles</a:t>
             </a:r>
           </a:p>
           <a:p>
             <a:pPr lvl="1"/>
             <a:r>
-              <a:rPr lang="en-US" smtClean="0"/>
+              <a:rPr lang="en-US"/>
               <a:t>Second level</a:t>
             </a:r>
           </a:p>
           <a:p>
             <a:pPr lvl="2"/>
             <a:r>
-              <a:rPr lang="en-US" smtClean="0"/>
+              <a:rPr lang="en-US"/>
               <a:t>Third level</a:t>
             </a:r>
           </a:p>
           <a:p>
             <a:pPr lvl="3"/>
             <a:r>
-              <a:rPr lang="en-US" smtClean="0"/>
+              <a:rPr lang="en-US"/>
               <a:t>Fourth level</a:t>
             </a:r>
           </a:p>
           <a:p>
             <a:pPr lvl="4"/>
             <a:r>
-              <a:rPr lang="en-US" smtClean="0"/>
+              <a:rPr lang="en-US"/>
               <a:t>Fifth level</a:t>
             </a:r>
             <a:endParaRPr lang="en-GB"/>
@@ -588,7 +593,7 @@
           <a:p>
             <a:fld id="{75417196-37C3-4D12-B2DA-85FC566F3878}" type="datetimeFigureOut">
               <a:rPr lang="en-GB" smtClean="0"/>
-              <a:t>22/11/2018</a:t>
+              <a:t>23/11/2018</a:t>
             </a:fld>
             <a:endParaRPr lang="en-GB"/>
           </a:p>
@@ -682,7 +687,7 @@
           <a:lstStyle/>
           <a:p>
             <a:r>
-              <a:rPr lang="en-US" smtClean="0"/>
+              <a:rPr lang="en-US"/>
               <a:t>Click to edit Master title style</a:t>
             </a:r>
             <a:endParaRPr lang="en-GB"/>
@@ -706,35 +711,35 @@
           <a:p>
             <a:pPr lvl="0"/>
             <a:r>
-              <a:rPr lang="en-US" smtClean="0"/>
+              <a:rPr lang="en-US"/>
               <a:t>Click to edit Master text styles</a:t>
             </a:r>
           </a:p>
           <a:p>
             <a:pPr lvl="1"/>
             <a:r>
-              <a:rPr lang="en-US" smtClean="0"/>
+              <a:rPr lang="en-US"/>
               <a:t>Second level</a:t>
             </a:r>
           </a:p>
           <a:p>
             <a:pPr lvl="2"/>
             <a:r>
-              <a:rPr lang="en-US" smtClean="0"/>
+              <a:rPr lang="en-US"/>
               <a:t>Third level</a:t>
             </a:r>
           </a:p>
           <a:p>
             <a:pPr lvl="3"/>
             <a:r>
-              <a:rPr lang="en-US" smtClean="0"/>
+              <a:rPr lang="en-US"/>
               <a:t>Fourth level</a:t>
             </a:r>
           </a:p>
           <a:p>
             <a:pPr lvl="4"/>
             <a:r>
-              <a:rPr lang="en-US" smtClean="0"/>
+              <a:rPr lang="en-US"/>
               <a:t>Fifth level</a:t>
             </a:r>
             <a:endParaRPr lang="en-GB"/>
@@ -758,7 +763,7 @@
           <a:p>
             <a:fld id="{75417196-37C3-4D12-B2DA-85FC566F3878}" type="datetimeFigureOut">
               <a:rPr lang="en-GB" smtClean="0"/>
-              <a:t>22/11/2018</a:t>
+              <a:t>23/11/2018</a:t>
             </a:fld>
             <a:endParaRPr lang="en-GB"/>
           </a:p>
@@ -861,7 +866,7 @@
           </a:lstStyle>
           <a:p>
             <a:r>
-              <a:rPr lang="en-US" smtClean="0"/>
+              <a:rPr lang="en-US"/>
               <a:t>Click to edit Master title style</a:t>
             </a:r>
             <a:endParaRPr lang="en-GB"/>
@@ -981,7 +986,7 @@
           <a:p>
             <a:pPr lvl="0"/>
             <a:r>
-              <a:rPr lang="en-US" smtClean="0"/>
+              <a:rPr lang="en-US"/>
               <a:t>Click to edit Master text styles</a:t>
             </a:r>
           </a:p>
@@ -1004,7 +1009,7 @@
           <a:p>
             <a:fld id="{75417196-37C3-4D12-B2DA-85FC566F3878}" type="datetimeFigureOut">
               <a:rPr lang="en-GB" smtClean="0"/>
-              <a:t>22/11/2018</a:t>
+              <a:t>23/11/2018</a:t>
             </a:fld>
             <a:endParaRPr lang="en-GB"/>
           </a:p>
@@ -1098,7 +1103,7 @@
           <a:lstStyle/>
           <a:p>
             <a:r>
-              <a:rPr lang="en-US" smtClean="0"/>
+              <a:rPr lang="en-US"/>
               <a:t>Click to edit Master title style</a:t>
             </a:r>
             <a:endParaRPr lang="en-GB"/>
@@ -1127,35 +1132,35 @@
           <a:p>
             <a:pPr lvl="0"/>
             <a:r>
-              <a:rPr lang="en-US" smtClean="0"/>
+              <a:rPr lang="en-US"/>
               <a:t>Click to edit Master text styles</a:t>
             </a:r>
           </a:p>
           <a:p>
             <a:pPr lvl="1"/>
             <a:r>
-              <a:rPr lang="en-US" smtClean="0"/>
+              <a:rPr lang="en-US"/>
               <a:t>Second level</a:t>
             </a:r>
           </a:p>
           <a:p>
             <a:pPr lvl="2"/>
             <a:r>
-              <a:rPr lang="en-US" smtClean="0"/>
+              <a:rPr lang="en-US"/>
               <a:t>Third level</a:t>
             </a:r>
           </a:p>
           <a:p>
             <a:pPr lvl="3"/>
             <a:r>
-              <a:rPr lang="en-US" smtClean="0"/>
+              <a:rPr lang="en-US"/>
               <a:t>Fourth level</a:t>
             </a:r>
           </a:p>
           <a:p>
             <a:pPr lvl="4"/>
             <a:r>
-              <a:rPr lang="en-US" smtClean="0"/>
+              <a:rPr lang="en-US"/>
               <a:t>Fifth level</a:t>
             </a:r>
             <a:endParaRPr lang="en-GB"/>
@@ -1184,35 +1189,35 @@
           <a:p>
             <a:pPr lvl="0"/>
             <a:r>
-              <a:rPr lang="en-US" smtClean="0"/>
+              <a:rPr lang="en-US"/>
               <a:t>Click to edit Master text styles</a:t>
             </a:r>
           </a:p>
           <a:p>
             <a:pPr lvl="1"/>
             <a:r>
-              <a:rPr lang="en-US" smtClean="0"/>
+              <a:rPr lang="en-US"/>
               <a:t>Second level</a:t>
             </a:r>
           </a:p>
           <a:p>
             <a:pPr lvl="2"/>
             <a:r>
-              <a:rPr lang="en-US" smtClean="0"/>
+              <a:rPr lang="en-US"/>
               <a:t>Third level</a:t>
             </a:r>
           </a:p>
           <a:p>
             <a:pPr lvl="3"/>
             <a:r>
-              <a:rPr lang="en-US" smtClean="0"/>
+              <a:rPr lang="en-US"/>
               <a:t>Fourth level</a:t>
             </a:r>
           </a:p>
           <a:p>
             <a:pPr lvl="4"/>
             <a:r>
-              <a:rPr lang="en-US" smtClean="0"/>
+              <a:rPr lang="en-US"/>
               <a:t>Fifth level</a:t>
             </a:r>
             <a:endParaRPr lang="en-GB"/>
@@ -1236,7 +1241,7 @@
           <a:p>
             <a:fld id="{75417196-37C3-4D12-B2DA-85FC566F3878}" type="datetimeFigureOut">
               <a:rPr lang="en-GB" smtClean="0"/>
-              <a:t>22/11/2018</a:t>
+              <a:t>23/11/2018</a:t>
             </a:fld>
             <a:endParaRPr lang="en-GB"/>
           </a:p>
@@ -1335,7 +1340,7 @@
           <a:lstStyle/>
           <a:p>
             <a:r>
-              <a:rPr lang="en-US" smtClean="0"/>
+              <a:rPr lang="en-US"/>
               <a:t>Click to edit Master title style</a:t>
             </a:r>
             <a:endParaRPr lang="en-GB"/>
@@ -1401,7 +1406,7 @@
           <a:p>
             <a:pPr lvl="0"/>
             <a:r>
-              <a:rPr lang="en-US" smtClean="0"/>
+              <a:rPr lang="en-US"/>
               <a:t>Click to edit Master text styles</a:t>
             </a:r>
           </a:p>
@@ -1429,35 +1434,35 @@
           <a:p>
             <a:pPr lvl="0"/>
             <a:r>
-              <a:rPr lang="en-US" smtClean="0"/>
+              <a:rPr lang="en-US"/>
               <a:t>Click to edit Master text styles</a:t>
             </a:r>
           </a:p>
           <a:p>
             <a:pPr lvl="1"/>
             <a:r>
-              <a:rPr lang="en-US" smtClean="0"/>
+              <a:rPr lang="en-US"/>
               <a:t>Second level</a:t>
             </a:r>
           </a:p>
           <a:p>
             <a:pPr lvl="2"/>
             <a:r>
-              <a:rPr lang="en-US" smtClean="0"/>
+              <a:rPr lang="en-US"/>
               <a:t>Third level</a:t>
             </a:r>
           </a:p>
           <a:p>
             <a:pPr lvl="3"/>
             <a:r>
-              <a:rPr lang="en-US" smtClean="0"/>
+              <a:rPr lang="en-US"/>
               <a:t>Fourth level</a:t>
             </a:r>
           </a:p>
           <a:p>
             <a:pPr lvl="4"/>
             <a:r>
-              <a:rPr lang="en-US" smtClean="0"/>
+              <a:rPr lang="en-US"/>
               <a:t>Fifth level</a:t>
             </a:r>
             <a:endParaRPr lang="en-GB"/>
@@ -1523,7 +1528,7 @@
           <a:p>
             <a:pPr lvl="0"/>
             <a:r>
-              <a:rPr lang="en-US" smtClean="0"/>
+              <a:rPr lang="en-US"/>
               <a:t>Click to edit Master text styles</a:t>
             </a:r>
           </a:p>
@@ -1551,35 +1556,35 @@
           <a:p>
             <a:pPr lvl="0"/>
             <a:r>
-              <a:rPr lang="en-US" smtClean="0"/>
+              <a:rPr lang="en-US"/>
               <a:t>Click to edit Master text styles</a:t>
             </a:r>
           </a:p>
           <a:p>
             <a:pPr lvl="1"/>
             <a:r>
-              <a:rPr lang="en-US" smtClean="0"/>
+              <a:rPr lang="en-US"/>
               <a:t>Second level</a:t>
             </a:r>
           </a:p>
           <a:p>
             <a:pPr lvl="2"/>
             <a:r>
-              <a:rPr lang="en-US" smtClean="0"/>
+              <a:rPr lang="en-US"/>
               <a:t>Third level</a:t>
             </a:r>
           </a:p>
           <a:p>
             <a:pPr lvl="3"/>
             <a:r>
-              <a:rPr lang="en-US" smtClean="0"/>
+              <a:rPr lang="en-US"/>
               <a:t>Fourth level</a:t>
             </a:r>
           </a:p>
           <a:p>
             <a:pPr lvl="4"/>
             <a:r>
-              <a:rPr lang="en-US" smtClean="0"/>
+              <a:rPr lang="en-US"/>
               <a:t>Fifth level</a:t>
             </a:r>
             <a:endParaRPr lang="en-GB"/>
@@ -1603,7 +1608,7 @@
           <a:p>
             <a:fld id="{75417196-37C3-4D12-B2DA-85FC566F3878}" type="datetimeFigureOut">
               <a:rPr lang="en-GB" smtClean="0"/>
-              <a:t>22/11/2018</a:t>
+              <a:t>23/11/2018</a:t>
             </a:fld>
             <a:endParaRPr lang="en-GB"/>
           </a:p>
@@ -1697,7 +1702,7 @@
           <a:lstStyle/>
           <a:p>
             <a:r>
-              <a:rPr lang="en-US" smtClean="0"/>
+              <a:rPr lang="en-US"/>
               <a:t>Click to edit Master title style</a:t>
             </a:r>
             <a:endParaRPr lang="en-GB"/>
@@ -1721,7 +1726,7 @@
           <a:p>
             <a:fld id="{75417196-37C3-4D12-B2DA-85FC566F3878}" type="datetimeFigureOut">
               <a:rPr lang="en-GB" smtClean="0"/>
-              <a:t>22/11/2018</a:t>
+              <a:t>23/11/2018</a:t>
             </a:fld>
             <a:endParaRPr lang="en-GB"/>
           </a:p>
@@ -1816,7 +1821,7 @@
           <a:p>
             <a:fld id="{75417196-37C3-4D12-B2DA-85FC566F3878}" type="datetimeFigureOut">
               <a:rPr lang="en-GB" smtClean="0"/>
-              <a:t>22/11/2018</a:t>
+              <a:t>23/11/2018</a:t>
             </a:fld>
             <a:endParaRPr lang="en-GB"/>
           </a:p>
@@ -1919,7 +1924,7 @@
           </a:lstStyle>
           <a:p>
             <a:r>
-              <a:rPr lang="en-US" smtClean="0"/>
+              <a:rPr lang="en-US"/>
               <a:t>Click to edit Master title style</a:t>
             </a:r>
             <a:endParaRPr lang="en-GB"/>
@@ -1976,35 +1981,35 @@
           <a:p>
             <a:pPr lvl="0"/>
             <a:r>
-              <a:rPr lang="en-US" smtClean="0"/>
+              <a:rPr lang="en-US"/>
               <a:t>Click to edit Master text styles</a:t>
             </a:r>
           </a:p>
           <a:p>
             <a:pPr lvl="1"/>
             <a:r>
-              <a:rPr lang="en-US" smtClean="0"/>
+              <a:rPr lang="en-US"/>
               <a:t>Second level</a:t>
             </a:r>
           </a:p>
           <a:p>
             <a:pPr lvl="2"/>
             <a:r>
-              <a:rPr lang="en-US" smtClean="0"/>
+              <a:rPr lang="en-US"/>
               <a:t>Third level</a:t>
             </a:r>
           </a:p>
           <a:p>
             <a:pPr lvl="3"/>
             <a:r>
-              <a:rPr lang="en-US" smtClean="0"/>
+              <a:rPr lang="en-US"/>
               <a:t>Fourth level</a:t>
             </a:r>
           </a:p>
           <a:p>
             <a:pPr lvl="4"/>
             <a:r>
-              <a:rPr lang="en-US" smtClean="0"/>
+              <a:rPr lang="en-US"/>
               <a:t>Fifth level</a:t>
             </a:r>
             <a:endParaRPr lang="en-GB"/>
@@ -2070,7 +2075,7 @@
           <a:p>
             <a:pPr lvl="0"/>
             <a:r>
-              <a:rPr lang="en-US" smtClean="0"/>
+              <a:rPr lang="en-US"/>
               <a:t>Click to edit Master text styles</a:t>
             </a:r>
           </a:p>
@@ -2093,7 +2098,7 @@
           <a:p>
             <a:fld id="{75417196-37C3-4D12-B2DA-85FC566F3878}" type="datetimeFigureOut">
               <a:rPr lang="en-GB" smtClean="0"/>
-              <a:t>22/11/2018</a:t>
+              <a:t>23/11/2018</a:t>
             </a:fld>
             <a:endParaRPr lang="en-GB"/>
           </a:p>
@@ -2196,7 +2201,7 @@
           </a:lstStyle>
           <a:p>
             <a:r>
-              <a:rPr lang="en-US" smtClean="0"/>
+              <a:rPr lang="en-US"/>
               <a:t>Click to edit Master title style</a:t>
             </a:r>
             <a:endParaRPr lang="en-GB"/>
@@ -2323,7 +2328,7 @@
           <a:p>
             <a:pPr lvl="0"/>
             <a:r>
-              <a:rPr lang="en-US" smtClean="0"/>
+              <a:rPr lang="en-US"/>
               <a:t>Click to edit Master text styles</a:t>
             </a:r>
           </a:p>
@@ -2346,7 +2351,7 @@
           <a:p>
             <a:fld id="{75417196-37C3-4D12-B2DA-85FC566F3878}" type="datetimeFigureOut">
               <a:rPr lang="en-GB" smtClean="0"/>
-              <a:t>22/11/2018</a:t>
+              <a:t>23/11/2018</a:t>
             </a:fld>
             <a:endParaRPr lang="en-GB"/>
           </a:p>
@@ -2455,7 +2460,7 @@
           <a:lstStyle/>
           <a:p>
             <a:r>
-              <a:rPr lang="en-US" smtClean="0"/>
+              <a:rPr lang="en-US"/>
               <a:t>Click to edit Master title style</a:t>
             </a:r>
             <a:endParaRPr lang="en-GB"/>
@@ -2489,35 +2494,35 @@
           <a:p>
             <a:pPr lvl="0"/>
             <a:r>
-              <a:rPr lang="en-US" smtClean="0"/>
+              <a:rPr lang="en-US"/>
               <a:t>Click to edit Master text styles</a:t>
             </a:r>
           </a:p>
           <a:p>
             <a:pPr lvl="1"/>
             <a:r>
-              <a:rPr lang="en-US" smtClean="0"/>
+              <a:rPr lang="en-US"/>
               <a:t>Second level</a:t>
             </a:r>
           </a:p>
           <a:p>
             <a:pPr lvl="2"/>
             <a:r>
-              <a:rPr lang="en-US" smtClean="0"/>
+              <a:rPr lang="en-US"/>
               <a:t>Third level</a:t>
             </a:r>
           </a:p>
           <a:p>
             <a:pPr lvl="3"/>
             <a:r>
-              <a:rPr lang="en-US" smtClean="0"/>
+              <a:rPr lang="en-US"/>
               <a:t>Fourth level</a:t>
             </a:r>
           </a:p>
           <a:p>
             <a:pPr lvl="4"/>
             <a:r>
-              <a:rPr lang="en-US" smtClean="0"/>
+              <a:rPr lang="en-US"/>
               <a:t>Fifth level</a:t>
             </a:r>
             <a:endParaRPr lang="en-GB"/>
@@ -2559,7 +2564,7 @@
           <a:p>
             <a:fld id="{75417196-37C3-4D12-B2DA-85FC566F3878}" type="datetimeFigureOut">
               <a:rPr lang="en-GB" smtClean="0"/>
-              <a:t>22/11/2018</a:t>
+              <a:t>23/11/2018</a:t>
             </a:fld>
             <a:endParaRPr lang="en-GB"/>
           </a:p>
@@ -2987,16 +2992,12 @@
           <a:lstStyle/>
           <a:p>
             <a:r>
-              <a:rPr lang="en-GB" dirty="0" smtClean="0">
+              <a:rPr lang="en-GB" dirty="0">
                 <a:latin typeface="Times New Roman" panose="02020603050405020304" pitchFamily="18" charset="0"/>
                 <a:cs typeface="Times New Roman" panose="02020603050405020304" pitchFamily="18" charset="0"/>
               </a:rPr>
               <a:t>MUSIC_BAND</a:t>
             </a:r>
-            <a:endParaRPr lang="en-GB" dirty="0">
-              <a:latin typeface="Times New Roman" panose="02020603050405020304" pitchFamily="18" charset="0"/>
-              <a:cs typeface="Times New Roman" panose="02020603050405020304" pitchFamily="18" charset="0"/>
-            </a:endParaRPr>
           </a:p>
         </p:txBody>
       </p:sp>
@@ -3009,14 +3010,14 @@
           <p:nvPr>
             <p:extLst>
               <p:ext uri="{D42A27DB-BD31-4B8C-83A1-F6EECF244321}">
-                <p14:modId xmlns:p14="http://schemas.microsoft.com/office/powerpoint/2010/main" val="188583584"/>
+                <p14:modId xmlns:p14="http://schemas.microsoft.com/office/powerpoint/2010/main" val="135051265"/>
               </p:ext>
             </p:extLst>
           </p:nvPr>
         </p:nvGraphicFramePr>
         <p:xfrm>
           <a:off x="1809878" y="734194"/>
-          <a:ext cx="4064000" cy="370840"/>
+          <a:ext cx="4796286" cy="370840"/>
         </p:xfrm>
         <a:graphic>
           <a:graphicData uri="http://schemas.openxmlformats.org/drawingml/2006/table">
@@ -3025,8 +3026,27 @@
                 <a:tableStyleId>{073A0DAA-6AF3-43AB-8588-CEC1D06C72B9}</a:tableStyleId>
               </a:tblPr>
               <a:tblGrid>
-                <a:gridCol w="2032000"/>
-                <a:gridCol w="2032000"/>
+                <a:gridCol w="1598762">
+                  <a:extLst>
+                    <a:ext uri="{9D8B030D-6E8A-4147-A177-3AD203B41FA5}">
+                      <a16:colId xmlns:a16="http://schemas.microsoft.com/office/drawing/2014/main" val="20000"/>
+                    </a:ext>
+                  </a:extLst>
+                </a:gridCol>
+                <a:gridCol w="1598762">
+                  <a:extLst>
+                    <a:ext uri="{9D8B030D-6E8A-4147-A177-3AD203B41FA5}">
+                      <a16:colId xmlns:a16="http://schemas.microsoft.com/office/drawing/2014/main" val="20001"/>
+                    </a:ext>
+                  </a:extLst>
+                </a:gridCol>
+                <a:gridCol w="1598762">
+                  <a:extLst>
+                    <a:ext uri="{9D8B030D-6E8A-4147-A177-3AD203B41FA5}">
+                      <a16:colId xmlns:a16="http://schemas.microsoft.com/office/drawing/2014/main" val="3348768541"/>
+                    </a:ext>
+                  </a:extLst>
+                </a:gridCol>
               </a:tblGrid>
               <a:tr h="370840">
                 <a:tc>
@@ -3036,7 +3056,7 @@
                     <a:p>
                       <a:pPr algn="ctr"/>
                       <a:r>
-                        <a:rPr lang="en-GB" b="0" u="sng" dirty="0" smtClean="0">
+                        <a:rPr lang="en-GB" b="0" u="sng" dirty="0">
                           <a:solidFill>
                             <a:schemeClr val="tx1"/>
                           </a:solidFill>
@@ -3045,13 +3065,6 @@
                         </a:rPr>
                         <a:t>BAND-NAME</a:t>
                       </a:r>
-                      <a:endParaRPr lang="en-GB" b="0" u="sng" dirty="0">
-                        <a:solidFill>
-                          <a:schemeClr val="tx1"/>
-                        </a:solidFill>
-                        <a:latin typeface="Times New Roman" panose="02020603050405020304" pitchFamily="18" charset="0"/>
-                        <a:cs typeface="Times New Roman" panose="02020603050405020304" pitchFamily="18" charset="0"/>
-                      </a:endParaRPr>
                     </a:p>
                   </a:txBody>
                   <a:tcPr>
@@ -3103,7 +3116,7 @@
                     <a:p>
                       <a:pPr algn="ctr"/>
                       <a:r>
-                        <a:rPr lang="en-GB" b="0" dirty="0" smtClean="0">
+                        <a:rPr lang="en-GB" b="0" u="sng" dirty="0">
                           <a:solidFill>
                             <a:schemeClr val="tx1"/>
                           </a:solidFill>
@@ -3112,13 +3125,6 @@
                         </a:rPr>
                         <a:t>B-PAGE</a:t>
                       </a:r>
-                      <a:endParaRPr lang="en-GB" b="0" dirty="0">
-                        <a:solidFill>
-                          <a:schemeClr val="tx1"/>
-                        </a:solidFill>
-                        <a:latin typeface="Times New Roman" panose="02020603050405020304" pitchFamily="18" charset="0"/>
-                        <a:cs typeface="Times New Roman" panose="02020603050405020304" pitchFamily="18" charset="0"/>
-                      </a:endParaRPr>
                     </a:p>
                   </a:txBody>
                   <a:tcPr>
@@ -3163,6 +3169,71 @@
                     </a:solidFill>
                   </a:tcPr>
                 </a:tc>
+                <a:tc>
+                  <a:txBody>
+                    <a:bodyPr/>
+                    <a:lstStyle/>
+                    <a:p>
+                      <a:pPr algn="ctr"/>
+                      <a:r>
+                        <a:rPr lang="en-GB" b="0" u="none" dirty="0">
+                          <a:solidFill>
+                            <a:schemeClr val="tx1"/>
+                          </a:solidFill>
+                          <a:latin typeface="Times New Roman" panose="02020603050405020304" pitchFamily="18" charset="0"/>
+                          <a:cs typeface="Times New Roman" panose="02020603050405020304" pitchFamily="18" charset="0"/>
+                        </a:rPr>
+                        <a:t>RELEASE-ID</a:t>
+                      </a:r>
+                    </a:p>
+                  </a:txBody>
+                  <a:tcPr>
+                    <a:lnL w="12700" cap="flat" cmpd="sng" algn="ctr">
+                      <a:solidFill>
+                        <a:schemeClr val="tx1"/>
+                      </a:solidFill>
+                      <a:prstDash val="solid"/>
+                      <a:round/>
+                      <a:headEnd type="none" w="med" len="med"/>
+                      <a:tailEnd type="none" w="med" len="med"/>
+                    </a:lnL>
+                    <a:lnR w="12700" cap="flat" cmpd="sng" algn="ctr">
+                      <a:solidFill>
+                        <a:schemeClr val="tx1"/>
+                      </a:solidFill>
+                      <a:prstDash val="solid"/>
+                      <a:round/>
+                      <a:headEnd type="none" w="med" len="med"/>
+                      <a:tailEnd type="none" w="med" len="med"/>
+                    </a:lnR>
+                    <a:lnT w="12700" cap="flat" cmpd="sng" algn="ctr">
+                      <a:solidFill>
+                        <a:schemeClr val="tx1"/>
+                      </a:solidFill>
+                      <a:prstDash val="solid"/>
+                      <a:round/>
+                      <a:headEnd type="none" w="med" len="med"/>
+                      <a:tailEnd type="none" w="med" len="med"/>
+                    </a:lnT>
+                    <a:lnB w="12700" cap="flat" cmpd="sng" algn="ctr">
+                      <a:solidFill>
+                        <a:schemeClr val="tx1"/>
+                      </a:solidFill>
+                      <a:prstDash val="solid"/>
+                      <a:round/>
+                      <a:headEnd type="none" w="med" len="med"/>
+                      <a:tailEnd type="none" w="med" len="med"/>
+                    </a:lnB>
+                    <a:solidFill>
+                      <a:schemeClr val="bg1"/>
+                    </a:solidFill>
+                  </a:tcPr>
+                </a:tc>
+                <a:extLst>
+                  <a:ext uri="{0D108BD9-81ED-4DB2-BD59-A6C34878D82A}">
+                    <a16:rowId xmlns:a16="http://schemas.microsoft.com/office/drawing/2014/main" val="10000"/>
+                  </a:ext>
+                </a:extLst>
               </a:tr>
             </a:tbl>
           </a:graphicData>
@@ -3177,14 +3248,14 @@
           <p:nvPr>
             <p:extLst>
               <p:ext uri="{D42A27DB-BD31-4B8C-83A1-F6EECF244321}">
-                <p14:modId xmlns:p14="http://schemas.microsoft.com/office/powerpoint/2010/main" val="2011024428"/>
+                <p14:modId xmlns:p14="http://schemas.microsoft.com/office/powerpoint/2010/main" val="1867434298"/>
               </p:ext>
             </p:extLst>
           </p:nvPr>
         </p:nvGraphicFramePr>
         <p:xfrm>
-          <a:off x="178254" y="2021361"/>
-          <a:ext cx="8304413" cy="416643"/>
+          <a:off x="742949" y="2040656"/>
+          <a:ext cx="9686925" cy="474074"/>
         </p:xfrm>
         <a:graphic>
           <a:graphicData uri="http://schemas.openxmlformats.org/drawingml/2006/table">
@@ -3193,14 +3264,57 @@
                 <a:tableStyleId>{073A0DAA-6AF3-43AB-8588-CEC1D06C72B9}</a:tableStyleId>
               </a:tblPr>
               <a:tblGrid>
-                <a:gridCol w="1609526"/>
-                <a:gridCol w="1158611"/>
-                <a:gridCol w="1384069"/>
-                <a:gridCol w="1384069"/>
-                <a:gridCol w="1384069"/>
-                <a:gridCol w="1384069"/>
+                <a:gridCol w="1572669">
+                  <a:extLst>
+                    <a:ext uri="{9D8B030D-6E8A-4147-A177-3AD203B41FA5}">
+                      <a16:colId xmlns:a16="http://schemas.microsoft.com/office/drawing/2014/main" val="20000"/>
+                    </a:ext>
+                  </a:extLst>
+                </a:gridCol>
+                <a:gridCol w="1352376">
+                  <a:extLst>
+                    <a:ext uri="{9D8B030D-6E8A-4147-A177-3AD203B41FA5}">
+                      <a16:colId xmlns:a16="http://schemas.microsoft.com/office/drawing/2014/main" val="20002"/>
+                    </a:ext>
+                  </a:extLst>
+                </a:gridCol>
+                <a:gridCol w="1352376">
+                  <a:extLst>
+                    <a:ext uri="{9D8B030D-6E8A-4147-A177-3AD203B41FA5}">
+                      <a16:colId xmlns:a16="http://schemas.microsoft.com/office/drawing/2014/main" val="20003"/>
+                    </a:ext>
+                  </a:extLst>
+                </a:gridCol>
+                <a:gridCol w="1352376">
+                  <a:extLst>
+                    <a:ext uri="{9D8B030D-6E8A-4147-A177-3AD203B41FA5}">
+                      <a16:colId xmlns:a16="http://schemas.microsoft.com/office/drawing/2014/main" val="20004"/>
+                    </a:ext>
+                  </a:extLst>
+                </a:gridCol>
+                <a:gridCol w="1352376">
+                  <a:extLst>
+                    <a:ext uri="{9D8B030D-6E8A-4147-A177-3AD203B41FA5}">
+                      <a16:colId xmlns:a16="http://schemas.microsoft.com/office/drawing/2014/main" val="20005"/>
+                    </a:ext>
+                  </a:extLst>
+                </a:gridCol>
+                <a:gridCol w="1352376">
+                  <a:extLst>
+                    <a:ext uri="{9D8B030D-6E8A-4147-A177-3AD203B41FA5}">
+                      <a16:colId xmlns:a16="http://schemas.microsoft.com/office/drawing/2014/main" val="411732008"/>
+                    </a:ext>
+                  </a:extLst>
+                </a:gridCol>
+                <a:gridCol w="1352376">
+                  <a:extLst>
+                    <a:ext uri="{9D8B030D-6E8A-4147-A177-3AD203B41FA5}">
+                      <a16:colId xmlns:a16="http://schemas.microsoft.com/office/drawing/2014/main" val="1186050816"/>
+                    </a:ext>
+                  </a:extLst>
+                </a:gridCol>
               </a:tblGrid>
-              <a:tr h="416643">
+              <a:tr h="474074">
                 <a:tc>
                   <a:txBody>
                     <a:bodyPr/>
@@ -3224,7 +3338,7 @@
                         <a:defRPr/>
                       </a:pPr>
                       <a:r>
-                        <a:rPr lang="en-GB" b="0" u="sng" dirty="0" smtClean="0">
+                        <a:rPr lang="en-GB" b="0" u="sng" dirty="0">
                           <a:solidFill>
                             <a:schemeClr val="tx1"/>
                           </a:solidFill>
@@ -3232,82 +3346,6 @@
                           <a:cs typeface="Times New Roman" panose="02020603050405020304" pitchFamily="18" charset="0"/>
                         </a:rPr>
                         <a:t>RELEASE-ID</a:t>
-                      </a:r>
-                    </a:p>
-                  </a:txBody>
-                  <a:tcPr>
-                    <a:lnL w="12700" cap="flat" cmpd="sng" algn="ctr">
-                      <a:solidFill>
-                        <a:schemeClr val="tx1"/>
-                      </a:solidFill>
-                      <a:prstDash val="solid"/>
-                      <a:round/>
-                      <a:headEnd type="none" w="med" len="med"/>
-                      <a:tailEnd type="none" w="med" len="med"/>
-                    </a:lnL>
-                    <a:lnR w="12700" cap="flat" cmpd="sng" algn="ctr">
-                      <a:solidFill>
-                        <a:schemeClr val="tx1"/>
-                      </a:solidFill>
-                      <a:prstDash val="solid"/>
-                      <a:round/>
-                      <a:headEnd type="none" w="med" len="med"/>
-                      <a:tailEnd type="none" w="med" len="med"/>
-                    </a:lnR>
-                    <a:lnT w="12700" cap="flat" cmpd="sng" algn="ctr">
-                      <a:solidFill>
-                        <a:schemeClr val="tx1"/>
-                      </a:solidFill>
-                      <a:prstDash val="solid"/>
-                      <a:round/>
-                      <a:headEnd type="none" w="med" len="med"/>
-                      <a:tailEnd type="none" w="med" len="med"/>
-                    </a:lnT>
-                    <a:lnB w="12700" cap="flat" cmpd="sng" algn="ctr">
-                      <a:solidFill>
-                        <a:schemeClr val="tx1"/>
-                      </a:solidFill>
-                      <a:prstDash val="solid"/>
-                      <a:round/>
-                      <a:headEnd type="none" w="med" len="med"/>
-                      <a:tailEnd type="none" w="med" len="med"/>
-                    </a:lnB>
-                    <a:solidFill>
-                      <a:schemeClr val="bg1"/>
-                    </a:solidFill>
-                  </a:tcPr>
-                </a:tc>
-                <a:tc>
-                  <a:txBody>
-                    <a:bodyPr/>
-                    <a:lstStyle/>
-                    <a:p>
-                      <a:pPr marL="0" marR="0" indent="0" algn="ctr" defTabSz="914400" rtl="0" eaLnBrk="1" fontAlgn="auto" latinLnBrk="0" hangingPunct="1">
-                        <a:lnSpc>
-                          <a:spcPct val="100000"/>
-                        </a:lnSpc>
-                        <a:spcBef>
-                          <a:spcPts val="0"/>
-                        </a:spcBef>
-                        <a:spcAft>
-                          <a:spcPts val="0"/>
-                        </a:spcAft>
-                        <a:buClrTx/>
-                        <a:buSzTx/>
-                        <a:buFontTx/>
-                        <a:buNone/>
-                        <a:tabLst/>
-                        <a:defRPr/>
-                      </a:pPr>
-                      <a:r>
-                        <a:rPr lang="en-GB" b="0" u="none" dirty="0" smtClean="0">
-                          <a:solidFill>
-                            <a:schemeClr val="tx1"/>
-                          </a:solidFill>
-                          <a:latin typeface="Times New Roman" panose="02020603050405020304" pitchFamily="18" charset="0"/>
-                          <a:cs typeface="Times New Roman" panose="02020603050405020304" pitchFamily="18" charset="0"/>
-                        </a:rPr>
-                        <a:t>B-NAME</a:t>
                       </a:r>
                     </a:p>
                   </a:txBody>
@@ -3360,7 +3398,7 @@
                     <a:p>
                       <a:pPr marL="0" algn="ctr" defTabSz="914400" rtl="0" eaLnBrk="1" latinLnBrk="0" hangingPunct="1"/>
                       <a:r>
-                        <a:rPr lang="en-GB" sz="1800" b="0" u="none" kern="1200" dirty="0" smtClean="0">
+                        <a:rPr lang="en-GB" sz="1800" b="0" kern="1200" dirty="0">
                           <a:solidFill>
                             <a:schemeClr val="tx1"/>
                           </a:solidFill>
@@ -3368,7 +3406,7 @@
                           <a:ea typeface="+mn-ea"/>
                           <a:cs typeface="Times New Roman" panose="02020603050405020304" pitchFamily="18" charset="0"/>
                         </a:rPr>
-                        <a:t>R-TITLE</a:t>
+                        <a:t>B-name</a:t>
                       </a:r>
                       <a:endParaRPr lang="en-GB" sz="1800" b="0" u="none" kern="1200" dirty="0">
                         <a:solidFill>
@@ -3429,7 +3467,7 @@
                     <a:p>
                       <a:pPr marL="0" algn="ctr" defTabSz="914400" rtl="0" eaLnBrk="1" latinLnBrk="0" hangingPunct="1"/>
                       <a:r>
-                        <a:rPr lang="en-GB" sz="1800" b="0" kern="1200" dirty="0" smtClean="0">
+                        <a:rPr lang="en-GB" sz="1800" b="0" kern="1200" dirty="0">
                           <a:solidFill>
                             <a:schemeClr val="tx1"/>
                           </a:solidFill>
@@ -3437,16 +3475,8 @@
                           <a:ea typeface="+mn-ea"/>
                           <a:cs typeface="Times New Roman" panose="02020603050405020304" pitchFamily="18" charset="0"/>
                         </a:rPr>
-                        <a:t>R-YEAR</a:t>
+                        <a:t>B-page</a:t>
                       </a:r>
-                      <a:endParaRPr lang="en-GB" sz="1800" b="0" kern="1200" dirty="0">
-                        <a:solidFill>
-                          <a:schemeClr val="tx1"/>
-                        </a:solidFill>
-                        <a:latin typeface="Times New Roman" panose="02020603050405020304" pitchFamily="18" charset="0"/>
-                        <a:ea typeface="+mn-ea"/>
-                        <a:cs typeface="Times New Roman" panose="02020603050405020304" pitchFamily="18" charset="0"/>
-                      </a:endParaRPr>
                     </a:p>
                   </a:txBody>
                   <a:tcPr>
@@ -3498,7 +3528,7 @@
                     <a:p>
                       <a:pPr marL="0" algn="ctr" defTabSz="914400" rtl="0" eaLnBrk="1" latinLnBrk="0" hangingPunct="1"/>
                       <a:r>
-                        <a:rPr lang="en-GB" sz="1800" b="0" kern="1200" dirty="0" smtClean="0">
+                        <a:rPr lang="en-GB" sz="1800" b="0" kern="1200" dirty="0">
                           <a:solidFill>
                             <a:schemeClr val="tx1"/>
                           </a:solidFill>
@@ -3508,14 +3538,6 @@
                         </a:rPr>
                         <a:t>R-TYPE</a:t>
                       </a:r>
-                      <a:endParaRPr lang="en-GB" sz="1800" b="0" kern="1200" dirty="0">
-                        <a:solidFill>
-                          <a:schemeClr val="tx1"/>
-                        </a:solidFill>
-                        <a:latin typeface="Times New Roman" panose="02020603050405020304" pitchFamily="18" charset="0"/>
-                        <a:ea typeface="+mn-ea"/>
-                        <a:cs typeface="Times New Roman" panose="02020603050405020304" pitchFamily="18" charset="0"/>
-                      </a:endParaRPr>
                     </a:p>
                   </a:txBody>
                   <a:tcPr>
@@ -3567,7 +3589,7 @@
                     <a:p>
                       <a:pPr marL="0" algn="ctr" defTabSz="914400" rtl="0" eaLnBrk="1" latinLnBrk="0" hangingPunct="1"/>
                       <a:r>
-                        <a:rPr lang="en-GB" sz="1800" b="0" kern="1200" dirty="0" smtClean="0">
+                        <a:rPr lang="en-GB" sz="1800" b="0" kern="1200" dirty="0">
                           <a:solidFill>
                             <a:schemeClr val="tx1"/>
                           </a:solidFill>
@@ -3577,155 +3599,6 @@
                         </a:rPr>
                         <a:t>R-RATE</a:t>
                       </a:r>
-                      <a:endParaRPr lang="en-GB" sz="1800" b="0" kern="1200" dirty="0">
-                        <a:solidFill>
-                          <a:schemeClr val="tx1"/>
-                        </a:solidFill>
-                        <a:latin typeface="Times New Roman" panose="02020603050405020304" pitchFamily="18" charset="0"/>
-                        <a:ea typeface="+mn-ea"/>
-                        <a:cs typeface="Times New Roman" panose="02020603050405020304" pitchFamily="18" charset="0"/>
-                      </a:endParaRPr>
-                    </a:p>
-                  </a:txBody>
-                  <a:tcPr>
-                    <a:lnL w="12700" cap="flat" cmpd="sng" algn="ctr">
-                      <a:solidFill>
-                        <a:schemeClr val="tx1"/>
-                      </a:solidFill>
-                      <a:prstDash val="solid"/>
-                      <a:round/>
-                      <a:headEnd type="none" w="med" len="med"/>
-                      <a:tailEnd type="none" w="med" len="med"/>
-                    </a:lnL>
-                    <a:lnR w="12700" cap="flat" cmpd="sng" algn="ctr">
-                      <a:solidFill>
-                        <a:schemeClr val="tx1"/>
-                      </a:solidFill>
-                      <a:prstDash val="solid"/>
-                      <a:round/>
-                      <a:headEnd type="none" w="med" len="med"/>
-                      <a:tailEnd type="none" w="med" len="med"/>
-                    </a:lnR>
-                    <a:lnT w="12700" cap="flat" cmpd="sng" algn="ctr">
-                      <a:solidFill>
-                        <a:schemeClr val="tx1"/>
-                      </a:solidFill>
-                      <a:prstDash val="solid"/>
-                      <a:round/>
-                      <a:headEnd type="none" w="med" len="med"/>
-                      <a:tailEnd type="none" w="med" len="med"/>
-                    </a:lnT>
-                    <a:lnB w="12700" cap="flat" cmpd="sng" algn="ctr">
-                      <a:solidFill>
-                        <a:schemeClr val="tx1"/>
-                      </a:solidFill>
-                      <a:prstDash val="solid"/>
-                      <a:round/>
-                      <a:headEnd type="none" w="med" len="med"/>
-                      <a:tailEnd type="none" w="med" len="med"/>
-                    </a:lnB>
-                    <a:solidFill>
-                      <a:schemeClr val="bg1"/>
-                    </a:solidFill>
-                  </a:tcPr>
-                </a:tc>
-              </a:tr>
-            </a:tbl>
-          </a:graphicData>
-        </a:graphic>
-      </p:graphicFrame>
-      <p:sp>
-        <p:nvSpPr>
-          <p:cNvPr id="8" name="TextBox 7"/>
-          <p:cNvSpPr txBox="1"/>
-          <p:nvPr/>
-        </p:nvSpPr>
-        <p:spPr>
-          <a:xfrm>
-            <a:off x="101361" y="1605921"/>
-            <a:ext cx="4796287" cy="369332"/>
-          </a:xfrm>
-          <a:prstGeom prst="rect">
-            <a:avLst/>
-          </a:prstGeom>
-          <a:noFill/>
-        </p:spPr>
-        <p:txBody>
-          <a:bodyPr wrap="square" rtlCol="0">
-            <a:spAutoFit/>
-          </a:bodyPr>
-          <a:lstStyle/>
-          <a:p>
-            <a:r>
-              <a:rPr lang="en-GB" dirty="0" smtClean="0">
-                <a:latin typeface="Times New Roman" panose="02020603050405020304" pitchFamily="18" charset="0"/>
-                <a:cs typeface="Times New Roman" panose="02020603050405020304" pitchFamily="18" charset="0"/>
-              </a:rPr>
-              <a:t>RELEASE</a:t>
-            </a:r>
-            <a:endParaRPr lang="en-GB" dirty="0">
-              <a:latin typeface="Times New Roman" panose="02020603050405020304" pitchFamily="18" charset="0"/>
-              <a:cs typeface="Times New Roman" panose="02020603050405020304" pitchFamily="18" charset="0"/>
-            </a:endParaRPr>
-          </a:p>
-        </p:txBody>
-      </p:sp>
-      <p:graphicFrame>
-        <p:nvGraphicFramePr>
-          <p:cNvPr id="10" name="Table 9"/>
-          <p:cNvGraphicFramePr>
-            <a:graphicFrameLocks noGrp="1"/>
-          </p:cNvGraphicFramePr>
-          <p:nvPr>
-            <p:extLst>
-              <p:ext uri="{D42A27DB-BD31-4B8C-83A1-F6EECF244321}">
-                <p14:modId xmlns:p14="http://schemas.microsoft.com/office/powerpoint/2010/main" val="2143221718"/>
-              </p:ext>
-            </p:extLst>
-          </p:nvPr>
-        </p:nvGraphicFramePr>
-        <p:xfrm>
-          <a:off x="1798537" y="3303141"/>
-          <a:ext cx="4720876" cy="370840"/>
-        </p:xfrm>
-        <a:graphic>
-          <a:graphicData uri="http://schemas.openxmlformats.org/drawingml/2006/table">
-            <a:tbl>
-              <a:tblPr firstRow="1" bandRow="1">
-                <a:tableStyleId>{073A0DAA-6AF3-43AB-8588-CEC1D06C72B9}</a:tableStyleId>
-              </a:tblPr>
-              <a:tblGrid>
-                <a:gridCol w="1180219"/>
-                <a:gridCol w="1180219"/>
-                <a:gridCol w="1180219"/>
-                <a:gridCol w="1180219"/>
-              </a:tblGrid>
-              <a:tr h="370840">
-                <a:tc>
-                  <a:txBody>
-                    <a:bodyPr/>
-                    <a:lstStyle/>
-                    <a:p>
-                      <a:pPr marL="0" algn="ctr" defTabSz="914400" rtl="0" eaLnBrk="1" latinLnBrk="0" hangingPunct="1"/>
-                      <a:r>
-                        <a:rPr lang="en-GB" sz="1800" b="0" u="sng" kern="1200" dirty="0" smtClean="0">
-                          <a:solidFill>
-                            <a:schemeClr val="tx1"/>
-                          </a:solidFill>
-                          <a:latin typeface="Times New Roman" panose="02020603050405020304" pitchFamily="18" charset="0"/>
-                          <a:ea typeface="+mn-ea"/>
-                          <a:cs typeface="Times New Roman" panose="02020603050405020304" pitchFamily="18" charset="0"/>
-                        </a:rPr>
-                        <a:t>R-ID</a:t>
-                      </a:r>
-                      <a:endParaRPr lang="en-GB" sz="1800" b="0" u="sng" kern="1200" dirty="0">
-                        <a:solidFill>
-                          <a:schemeClr val="tx1"/>
-                        </a:solidFill>
-                        <a:latin typeface="Times New Roman" panose="02020603050405020304" pitchFamily="18" charset="0"/>
-                        <a:ea typeface="+mn-ea"/>
-                        <a:cs typeface="Times New Roman" panose="02020603050405020304" pitchFamily="18" charset="0"/>
-                      </a:endParaRPr>
                     </a:p>
                   </a:txBody>
                   <a:tcPr>
@@ -3777,7 +3650,7 @@
                     <a:p>
                       <a:pPr marL="0" algn="ctr" defTabSz="914400" rtl="0" eaLnBrk="1" latinLnBrk="0" hangingPunct="1"/>
                       <a:r>
-                        <a:rPr lang="en-GB" sz="1800" b="0" kern="1200" dirty="0" smtClean="0">
+                        <a:rPr lang="en-GB" sz="1800" b="0" kern="1200" dirty="0">
                           <a:solidFill>
                             <a:schemeClr val="tx1"/>
                           </a:solidFill>
@@ -3785,16 +3658,8 @@
                           <a:ea typeface="+mn-ea"/>
                           <a:cs typeface="Times New Roman" panose="02020603050405020304" pitchFamily="18" charset="0"/>
                         </a:rPr>
-                        <a:t>R-TITLE</a:t>
+                        <a:t>R-title</a:t>
                       </a:r>
-                      <a:endParaRPr lang="en-GB" sz="1800" b="0" kern="1200" dirty="0">
-                        <a:solidFill>
-                          <a:schemeClr val="tx1"/>
-                        </a:solidFill>
-                        <a:latin typeface="Times New Roman" panose="02020603050405020304" pitchFamily="18" charset="0"/>
-                        <a:ea typeface="+mn-ea"/>
-                        <a:cs typeface="Times New Roman" panose="02020603050405020304" pitchFamily="18" charset="0"/>
-                      </a:endParaRPr>
                     </a:p>
                   </a:txBody>
                   <a:tcPr>
@@ -3846,7 +3711,7 @@
                     <a:p>
                       <a:pPr marL="0" algn="ctr" defTabSz="914400" rtl="0" eaLnBrk="1" latinLnBrk="0" hangingPunct="1"/>
                       <a:r>
-                        <a:rPr lang="en-GB" sz="1800" b="0" kern="1200" dirty="0" smtClean="0">
+                        <a:rPr lang="en-GB" sz="1800" b="0" kern="1200" dirty="0">
                           <a:solidFill>
                             <a:schemeClr val="tx1"/>
                           </a:solidFill>
@@ -3854,16 +3719,159 @@
                           <a:ea typeface="+mn-ea"/>
                           <a:cs typeface="Times New Roman" panose="02020603050405020304" pitchFamily="18" charset="0"/>
                         </a:rPr>
-                        <a:t>S-TITLE</a:t>
+                        <a:t>R-year</a:t>
                       </a:r>
-                      <a:endParaRPr lang="en-GB" sz="1800" b="0" kern="1200" dirty="0">
-                        <a:solidFill>
-                          <a:schemeClr val="tx1"/>
-                        </a:solidFill>
-                        <a:latin typeface="Times New Roman" panose="02020603050405020304" pitchFamily="18" charset="0"/>
-                        <a:ea typeface="+mn-ea"/>
-                        <a:cs typeface="Times New Roman" panose="02020603050405020304" pitchFamily="18" charset="0"/>
-                      </a:endParaRPr>
+                    </a:p>
+                  </a:txBody>
+                  <a:tcPr>
+                    <a:lnL w="12700" cap="flat" cmpd="sng" algn="ctr">
+                      <a:solidFill>
+                        <a:schemeClr val="tx1"/>
+                      </a:solidFill>
+                      <a:prstDash val="solid"/>
+                      <a:round/>
+                      <a:headEnd type="none" w="med" len="med"/>
+                      <a:tailEnd type="none" w="med" len="med"/>
+                    </a:lnL>
+                    <a:lnR w="12700" cap="flat" cmpd="sng" algn="ctr">
+                      <a:solidFill>
+                        <a:schemeClr val="tx1"/>
+                      </a:solidFill>
+                      <a:prstDash val="solid"/>
+                      <a:round/>
+                      <a:headEnd type="none" w="med" len="med"/>
+                      <a:tailEnd type="none" w="med" len="med"/>
+                    </a:lnR>
+                    <a:lnT w="12700" cap="flat" cmpd="sng" algn="ctr">
+                      <a:solidFill>
+                        <a:schemeClr val="tx1"/>
+                      </a:solidFill>
+                      <a:prstDash val="solid"/>
+                      <a:round/>
+                      <a:headEnd type="none" w="med" len="med"/>
+                      <a:tailEnd type="none" w="med" len="med"/>
+                    </a:lnT>
+                    <a:lnB w="12700" cap="flat" cmpd="sng" algn="ctr">
+                      <a:solidFill>
+                        <a:schemeClr val="tx1"/>
+                      </a:solidFill>
+                      <a:prstDash val="solid"/>
+                      <a:round/>
+                      <a:headEnd type="none" w="med" len="med"/>
+                      <a:tailEnd type="none" w="med" len="med"/>
+                    </a:lnB>
+                    <a:solidFill>
+                      <a:schemeClr val="bg1"/>
+                    </a:solidFill>
+                  </a:tcPr>
+                </a:tc>
+                <a:extLst>
+                  <a:ext uri="{0D108BD9-81ED-4DB2-BD59-A6C34878D82A}">
+                    <a16:rowId xmlns:a16="http://schemas.microsoft.com/office/drawing/2014/main" val="10000"/>
+                  </a:ext>
+                </a:extLst>
+              </a:tr>
+            </a:tbl>
+          </a:graphicData>
+        </a:graphic>
+      </p:graphicFrame>
+      <p:sp>
+        <p:nvSpPr>
+          <p:cNvPr id="8" name="TextBox 7"/>
+          <p:cNvSpPr txBox="1"/>
+          <p:nvPr/>
+        </p:nvSpPr>
+        <p:spPr>
+          <a:xfrm>
+            <a:off x="985281" y="1625216"/>
+            <a:ext cx="4796287" cy="369332"/>
+          </a:xfrm>
+          <a:prstGeom prst="rect">
+            <a:avLst/>
+          </a:prstGeom>
+          <a:noFill/>
+        </p:spPr>
+        <p:txBody>
+          <a:bodyPr wrap="square" rtlCol="0">
+            <a:spAutoFit/>
+          </a:bodyPr>
+          <a:lstStyle/>
+          <a:p>
+            <a:r>
+              <a:rPr lang="en-GB" dirty="0">
+                <a:latin typeface="Times New Roman" panose="02020603050405020304" pitchFamily="18" charset="0"/>
+                <a:cs typeface="Times New Roman" panose="02020603050405020304" pitchFamily="18" charset="0"/>
+              </a:rPr>
+              <a:t>RELEASE</a:t>
+            </a:r>
+          </a:p>
+        </p:txBody>
+      </p:sp>
+      <p:graphicFrame>
+        <p:nvGraphicFramePr>
+          <p:cNvPr id="10" name="Table 9"/>
+          <p:cNvGraphicFramePr>
+            <a:graphicFrameLocks noGrp="1"/>
+          </p:cNvGraphicFramePr>
+          <p:nvPr>
+            <p:extLst>
+              <p:ext uri="{D42A27DB-BD31-4B8C-83A1-F6EECF244321}">
+                <p14:modId xmlns:p14="http://schemas.microsoft.com/office/powerpoint/2010/main" val="1679037731"/>
+              </p:ext>
+            </p:extLst>
+          </p:nvPr>
+        </p:nvGraphicFramePr>
+        <p:xfrm>
+          <a:off x="1798537" y="3303141"/>
+          <a:ext cx="3540657" cy="370840"/>
+        </p:xfrm>
+        <a:graphic>
+          <a:graphicData uri="http://schemas.openxmlformats.org/drawingml/2006/table">
+            <a:tbl>
+              <a:tblPr firstRow="1" bandRow="1">
+                <a:tableStyleId>{073A0DAA-6AF3-43AB-8588-CEC1D06C72B9}</a:tableStyleId>
+              </a:tblPr>
+              <a:tblGrid>
+                <a:gridCol w="1180219">
+                  <a:extLst>
+                    <a:ext uri="{9D8B030D-6E8A-4147-A177-3AD203B41FA5}">
+                      <a16:colId xmlns:a16="http://schemas.microsoft.com/office/drawing/2014/main" val="20000"/>
+                    </a:ext>
+                  </a:extLst>
+                </a:gridCol>
+                <a:gridCol w="1180219">
+                  <a:extLst>
+                    <a:ext uri="{9D8B030D-6E8A-4147-A177-3AD203B41FA5}">
+                      <a16:colId xmlns:a16="http://schemas.microsoft.com/office/drawing/2014/main" val="20002"/>
+                    </a:ext>
+                  </a:extLst>
+                </a:gridCol>
+                <a:gridCol w="1180219">
+                  <a:extLst>
+                    <a:ext uri="{9D8B030D-6E8A-4147-A177-3AD203B41FA5}">
+                      <a16:colId xmlns:a16="http://schemas.microsoft.com/office/drawing/2014/main" val="20003"/>
+                    </a:ext>
+                  </a:extLst>
+                </a:gridCol>
+              </a:tblGrid>
+              <a:tr h="370840">
+                <a:tc>
+                  <a:txBody>
+                    <a:bodyPr/>
+                    <a:lstStyle/>
+                    <a:p>
+                      <a:pPr marL="0" algn="ctr" defTabSz="914400" rtl="0" eaLnBrk="1" latinLnBrk="0" hangingPunct="1"/>
+                      <a:r>
+                        <a:rPr lang="en-GB" sz="1800" b="0" u="sng" kern="1200" dirty="0">
+                          <a:solidFill>
+                            <a:schemeClr val="tx1"/>
+                          </a:solidFill>
+                          <a:latin typeface="Times New Roman" panose="02020603050405020304" pitchFamily="18" charset="0"/>
+                          <a:ea typeface="+mn-ea"/>
+                          <a:cs typeface="Times New Roman" panose="02020603050405020304" pitchFamily="18" charset="0"/>
+                        </a:rPr>
+                        <a:t>R-ID</a:t>
+                      </a:r>
                     </a:p>
                   </a:txBody>
                   <a:tcPr>
@@ -3915,7 +3923,7 @@
                     <a:p>
                       <a:pPr marL="0" algn="ctr" defTabSz="914400" rtl="0" eaLnBrk="1" latinLnBrk="0" hangingPunct="1"/>
                       <a:r>
-                        <a:rPr lang="en-GB" sz="1800" b="0" kern="1200" dirty="0" smtClean="0">
+                        <a:rPr lang="en-GB" sz="1800" b="0" kern="1200" dirty="0">
                           <a:solidFill>
                             <a:schemeClr val="tx1"/>
                           </a:solidFill>
@@ -3923,155 +3931,8 @@
                           <a:ea typeface="+mn-ea"/>
                           <a:cs typeface="Times New Roman" panose="02020603050405020304" pitchFamily="18" charset="0"/>
                         </a:rPr>
-                        <a:t>AWARD</a:t>
+                        <a:t>S-TITLE</a:t>
                       </a:r>
-                      <a:endParaRPr lang="en-GB" sz="1800" b="0" kern="1200" dirty="0">
-                        <a:solidFill>
-                          <a:schemeClr val="tx1"/>
-                        </a:solidFill>
-                        <a:latin typeface="Times New Roman" panose="02020603050405020304" pitchFamily="18" charset="0"/>
-                        <a:ea typeface="+mn-ea"/>
-                        <a:cs typeface="Times New Roman" panose="02020603050405020304" pitchFamily="18" charset="0"/>
-                      </a:endParaRPr>
-                    </a:p>
-                  </a:txBody>
-                  <a:tcPr>
-                    <a:lnL w="12700" cap="flat" cmpd="sng" algn="ctr">
-                      <a:solidFill>
-                        <a:schemeClr val="tx1"/>
-                      </a:solidFill>
-                      <a:prstDash val="solid"/>
-                      <a:round/>
-                      <a:headEnd type="none" w="med" len="med"/>
-                      <a:tailEnd type="none" w="med" len="med"/>
-                    </a:lnL>
-                    <a:lnR w="12700" cap="flat" cmpd="sng" algn="ctr">
-                      <a:solidFill>
-                        <a:schemeClr val="tx1"/>
-                      </a:solidFill>
-                      <a:prstDash val="solid"/>
-                      <a:round/>
-                      <a:headEnd type="none" w="med" len="med"/>
-                      <a:tailEnd type="none" w="med" len="med"/>
-                    </a:lnR>
-                    <a:lnT w="12700" cap="flat" cmpd="sng" algn="ctr">
-                      <a:solidFill>
-                        <a:schemeClr val="tx1"/>
-                      </a:solidFill>
-                      <a:prstDash val="solid"/>
-                      <a:round/>
-                      <a:headEnd type="none" w="med" len="med"/>
-                      <a:tailEnd type="none" w="med" len="med"/>
-                    </a:lnT>
-                    <a:lnB w="12700" cap="flat" cmpd="sng" algn="ctr">
-                      <a:solidFill>
-                        <a:schemeClr val="tx1"/>
-                      </a:solidFill>
-                      <a:prstDash val="solid"/>
-                      <a:round/>
-                      <a:headEnd type="none" w="med" len="med"/>
-                      <a:tailEnd type="none" w="med" len="med"/>
-                    </a:lnB>
-                    <a:solidFill>
-                      <a:schemeClr val="bg1"/>
-                    </a:solidFill>
-                  </a:tcPr>
-                </a:tc>
-              </a:tr>
-            </a:tbl>
-          </a:graphicData>
-        </a:graphic>
-      </p:graphicFrame>
-      <p:sp>
-        <p:nvSpPr>
-          <p:cNvPr id="11" name="TextBox 10"/>
-          <p:cNvSpPr txBox="1"/>
-          <p:nvPr/>
-        </p:nvSpPr>
-        <p:spPr>
-          <a:xfrm>
-            <a:off x="1711404" y="2950233"/>
-            <a:ext cx="4796287" cy="369332"/>
-          </a:xfrm>
-          <a:prstGeom prst="rect">
-            <a:avLst/>
-          </a:prstGeom>
-          <a:noFill/>
-        </p:spPr>
-        <p:txBody>
-          <a:bodyPr wrap="square" rtlCol="0">
-            <a:spAutoFit/>
-          </a:bodyPr>
-          <a:lstStyle/>
-          <a:p>
-            <a:r>
-              <a:rPr lang="en-GB" dirty="0" smtClean="0">
-                <a:latin typeface="Times New Roman" panose="02020603050405020304" pitchFamily="18" charset="0"/>
-                <a:cs typeface="Times New Roman" panose="02020603050405020304" pitchFamily="18" charset="0"/>
-              </a:rPr>
-              <a:t>SONG</a:t>
-            </a:r>
-            <a:endParaRPr lang="en-GB" dirty="0">
-              <a:latin typeface="Times New Roman" panose="02020603050405020304" pitchFamily="18" charset="0"/>
-              <a:cs typeface="Times New Roman" panose="02020603050405020304" pitchFamily="18" charset="0"/>
-            </a:endParaRPr>
-          </a:p>
-        </p:txBody>
-      </p:sp>
-      <p:graphicFrame>
-        <p:nvGraphicFramePr>
-          <p:cNvPr id="12" name="Table 11"/>
-          <p:cNvGraphicFramePr>
-            <a:graphicFrameLocks noGrp="1"/>
-          </p:cNvGraphicFramePr>
-          <p:nvPr>
-            <p:extLst>
-              <p:ext uri="{D42A27DB-BD31-4B8C-83A1-F6EECF244321}">
-                <p14:modId xmlns:p14="http://schemas.microsoft.com/office/powerpoint/2010/main" val="1418704860"/>
-              </p:ext>
-            </p:extLst>
-          </p:nvPr>
-        </p:nvGraphicFramePr>
-        <p:xfrm>
-          <a:off x="1823945" y="4613874"/>
-          <a:ext cx="3507710" cy="398146"/>
-        </p:xfrm>
-        <a:graphic>
-          <a:graphicData uri="http://schemas.openxmlformats.org/drawingml/2006/table">
-            <a:tbl>
-              <a:tblPr firstRow="1" bandRow="1">
-                <a:tableStyleId>{073A0DAA-6AF3-43AB-8588-CEC1D06C72B9}</a:tableStyleId>
-              </a:tblPr>
-              <a:tblGrid>
-                <a:gridCol w="1753855"/>
-                <a:gridCol w="1753855"/>
-              </a:tblGrid>
-              <a:tr h="398146">
-                <a:tc>
-                  <a:txBody>
-                    <a:bodyPr/>
-                    <a:lstStyle/>
-                    <a:p>
-                      <a:pPr marL="0" algn="ctr" defTabSz="914400" rtl="0" eaLnBrk="1" latinLnBrk="0" hangingPunct="1"/>
-                      <a:r>
-                        <a:rPr lang="en-GB" sz="1800" b="0" u="sng" kern="1200" dirty="0" smtClean="0">
-                          <a:solidFill>
-                            <a:schemeClr val="tx1"/>
-                          </a:solidFill>
-                          <a:latin typeface="Times New Roman" panose="02020603050405020304" pitchFamily="18" charset="0"/>
-                          <a:ea typeface="+mn-ea"/>
-                          <a:cs typeface="Times New Roman" panose="02020603050405020304" pitchFamily="18" charset="0"/>
-                        </a:rPr>
-                        <a:t>MU-NAME</a:t>
-                      </a:r>
-                      <a:endParaRPr lang="en-GB" sz="1800" b="0" u="sng" kern="1200" dirty="0">
-                        <a:solidFill>
-                          <a:schemeClr val="tx1"/>
-                        </a:solidFill>
-                        <a:latin typeface="Times New Roman" panose="02020603050405020304" pitchFamily="18" charset="0"/>
-                        <a:ea typeface="+mn-ea"/>
-                        <a:cs typeface="Times New Roman" panose="02020603050405020304" pitchFamily="18" charset="0"/>
-                      </a:endParaRPr>
                     </a:p>
                   </a:txBody>
                   <a:tcPr>
@@ -4123,7 +3984,7 @@
                     <a:p>
                       <a:pPr marL="0" algn="ctr" defTabSz="914400" rtl="0" eaLnBrk="1" latinLnBrk="0" hangingPunct="1"/>
                       <a:r>
-                        <a:rPr lang="en-GB" sz="1800" b="0" u="sng" kern="1200" dirty="0" smtClean="0">
+                        <a:rPr lang="en-GB" sz="1800" b="0" kern="1200" dirty="0">
                           <a:solidFill>
                             <a:schemeClr val="tx1"/>
                           </a:solidFill>
@@ -4131,16 +3992,8 @@
                           <a:ea typeface="+mn-ea"/>
                           <a:cs typeface="Times New Roman" panose="02020603050405020304" pitchFamily="18" charset="0"/>
                         </a:rPr>
-                        <a:t>MU-WEBPAGE</a:t>
+                        <a:t>AWARD</a:t>
                       </a:r>
-                      <a:endParaRPr lang="en-GB" sz="1800" b="0" u="sng" kern="1200" dirty="0">
-                        <a:solidFill>
-                          <a:schemeClr val="tx1"/>
-                        </a:solidFill>
-                        <a:latin typeface="Times New Roman" panose="02020603050405020304" pitchFamily="18" charset="0"/>
-                        <a:ea typeface="+mn-ea"/>
-                        <a:cs typeface="Times New Roman" panose="02020603050405020304" pitchFamily="18" charset="0"/>
-                      </a:endParaRPr>
                     </a:p>
                   </a:txBody>
                   <a:tcPr>
@@ -4185,6 +4038,11 @@
                     </a:solidFill>
                   </a:tcPr>
                 </a:tc>
+                <a:extLst>
+                  <a:ext uri="{0D108BD9-81ED-4DB2-BD59-A6C34878D82A}">
+                    <a16:rowId xmlns:a16="http://schemas.microsoft.com/office/drawing/2014/main" val="10000"/>
+                  </a:ext>
+                </a:extLst>
               </a:tr>
             </a:tbl>
           </a:graphicData>
@@ -4192,13 +4050,13 @@
       </p:graphicFrame>
       <p:sp>
         <p:nvSpPr>
-          <p:cNvPr id="13" name="TextBox 12"/>
+          <p:cNvPr id="11" name="TextBox 10"/>
           <p:cNvSpPr txBox="1"/>
           <p:nvPr/>
         </p:nvSpPr>
         <p:spPr>
           <a:xfrm>
-            <a:off x="1711404" y="4154318"/>
+            <a:off x="1711404" y="2950233"/>
             <a:ext cx="4796287" cy="369332"/>
           </a:xfrm>
           <a:prstGeom prst="rect">
@@ -4213,36 +4071,32 @@
           <a:lstStyle/>
           <a:p>
             <a:r>
-              <a:rPr lang="en-GB" dirty="0" smtClean="0">
+              <a:rPr lang="en-GB" dirty="0">
                 <a:latin typeface="Times New Roman" panose="02020603050405020304" pitchFamily="18" charset="0"/>
                 <a:cs typeface="Times New Roman" panose="02020603050405020304" pitchFamily="18" charset="0"/>
               </a:rPr>
-              <a:t>MUSICIAN</a:t>
-            </a:r>
-            <a:endParaRPr lang="en-GB" dirty="0">
-              <a:latin typeface="Times New Roman" panose="02020603050405020304" pitchFamily="18" charset="0"/>
-              <a:cs typeface="Times New Roman" panose="02020603050405020304" pitchFamily="18" charset="0"/>
-            </a:endParaRPr>
+              <a:t>SONG</a:t>
+            </a:r>
           </a:p>
         </p:txBody>
       </p:sp>
       <p:graphicFrame>
         <p:nvGraphicFramePr>
-          <p:cNvPr id="14" name="Table 13"/>
+          <p:cNvPr id="12" name="Table 11"/>
           <p:cNvGraphicFramePr>
             <a:graphicFrameLocks noGrp="1"/>
           </p:cNvGraphicFramePr>
           <p:nvPr>
             <p:extLst>
               <p:ext uri="{D42A27DB-BD31-4B8C-83A1-F6EECF244321}">
-                <p14:modId xmlns:p14="http://schemas.microsoft.com/office/powerpoint/2010/main" val="3486080311"/>
+                <p14:modId xmlns:p14="http://schemas.microsoft.com/office/powerpoint/2010/main" val="1164364542"/>
               </p:ext>
             </p:extLst>
           </p:nvPr>
         </p:nvGraphicFramePr>
         <p:xfrm>
-          <a:off x="1798541" y="5819721"/>
-          <a:ext cx="9324312" cy="370840"/>
+          <a:off x="1650700" y="5924733"/>
+          <a:ext cx="3507710" cy="398146"/>
         </p:xfrm>
         <a:graphic>
           <a:graphicData uri="http://schemas.openxmlformats.org/drawingml/2006/table">
@@ -4251,14 +4105,22 @@
                 <a:tableStyleId>{073A0DAA-6AF3-43AB-8588-CEC1D06C72B9}</a:tableStyleId>
               </a:tblPr>
               <a:tblGrid>
-                <a:gridCol w="1554052"/>
-                <a:gridCol w="1554052"/>
-                <a:gridCol w="1554052"/>
-                <a:gridCol w="1554052"/>
-                <a:gridCol w="1554052"/>
-                <a:gridCol w="1554052"/>
+                <a:gridCol w="1753855">
+                  <a:extLst>
+                    <a:ext uri="{9D8B030D-6E8A-4147-A177-3AD203B41FA5}">
+                      <a16:colId xmlns:a16="http://schemas.microsoft.com/office/drawing/2014/main" val="20000"/>
+                    </a:ext>
+                  </a:extLst>
+                </a:gridCol>
+                <a:gridCol w="1753855">
+                  <a:extLst>
+                    <a:ext uri="{9D8B030D-6E8A-4147-A177-3AD203B41FA5}">
+                      <a16:colId xmlns:a16="http://schemas.microsoft.com/office/drawing/2014/main" val="20001"/>
+                    </a:ext>
+                  </a:extLst>
+                </a:gridCol>
               </a:tblGrid>
-              <a:tr h="370840">
+              <a:tr h="398146">
                 <a:tc>
                   <a:txBody>
                     <a:bodyPr/>
@@ -4266,7 +4128,7 @@
                     <a:p>
                       <a:pPr marL="0" algn="ctr" defTabSz="914400" rtl="0" eaLnBrk="1" latinLnBrk="0" hangingPunct="1"/>
                       <a:r>
-                        <a:rPr lang="en-GB" sz="1800" b="0" u="sng" kern="1200" dirty="0" smtClean="0">
+                        <a:rPr lang="en-GB" sz="1800" b="0" u="sng" kern="1200" dirty="0">
                           <a:solidFill>
                             <a:schemeClr val="tx1"/>
                           </a:solidFill>
@@ -4274,16 +4136,8 @@
                           <a:ea typeface="+mn-ea"/>
                           <a:cs typeface="Times New Roman" panose="02020603050405020304" pitchFamily="18" charset="0"/>
                         </a:rPr>
-                        <a:t>M-ID</a:t>
+                        <a:t>MU-NAME</a:t>
                       </a:r>
-                      <a:endParaRPr lang="en-GB" sz="1800" b="0" u="sng" kern="1200" dirty="0">
-                        <a:solidFill>
-                          <a:schemeClr val="tx1"/>
-                        </a:solidFill>
-                        <a:latin typeface="Times New Roman" panose="02020603050405020304" pitchFamily="18" charset="0"/>
-                        <a:ea typeface="+mn-ea"/>
-                        <a:cs typeface="Times New Roman" panose="02020603050405020304" pitchFamily="18" charset="0"/>
-                      </a:endParaRPr>
                     </a:p>
                   </a:txBody>
                   <a:tcPr>
@@ -4335,7 +4189,7 @@
                     <a:p>
                       <a:pPr marL="0" algn="ctr" defTabSz="914400" rtl="0" eaLnBrk="1" latinLnBrk="0" hangingPunct="1"/>
                       <a:r>
-                        <a:rPr lang="en-GB" sz="1800" b="0" u="none" kern="1200" dirty="0" smtClean="0">
+                        <a:rPr lang="en-GB" sz="1800" b="0" u="sng" kern="1200" dirty="0">
                           <a:solidFill>
                             <a:schemeClr val="tx1"/>
                           </a:solidFill>
@@ -4343,16 +4197,202 @@
                           <a:ea typeface="+mn-ea"/>
                           <a:cs typeface="Times New Roman" panose="02020603050405020304" pitchFamily="18" charset="0"/>
                         </a:rPr>
-                        <a:t>MU-NAME</a:t>
+                        <a:t>MU-WEBPAGE</a:t>
                       </a:r>
-                      <a:endParaRPr lang="en-GB" sz="1800" b="0" u="none" kern="1200" dirty="0">
-                        <a:solidFill>
-                          <a:schemeClr val="tx1"/>
-                        </a:solidFill>
-                        <a:latin typeface="Times New Roman" panose="02020603050405020304" pitchFamily="18" charset="0"/>
-                        <a:ea typeface="+mn-ea"/>
-                        <a:cs typeface="Times New Roman" panose="02020603050405020304" pitchFamily="18" charset="0"/>
-                      </a:endParaRPr>
+                    </a:p>
+                  </a:txBody>
+                  <a:tcPr>
+                    <a:lnL w="12700" cap="flat" cmpd="sng" algn="ctr">
+                      <a:solidFill>
+                        <a:schemeClr val="tx1"/>
+                      </a:solidFill>
+                      <a:prstDash val="solid"/>
+                      <a:round/>
+                      <a:headEnd type="none" w="med" len="med"/>
+                      <a:tailEnd type="none" w="med" len="med"/>
+                    </a:lnL>
+                    <a:lnR w="12700" cap="flat" cmpd="sng" algn="ctr">
+                      <a:solidFill>
+                        <a:schemeClr val="tx1"/>
+                      </a:solidFill>
+                      <a:prstDash val="solid"/>
+                      <a:round/>
+                      <a:headEnd type="none" w="med" len="med"/>
+                      <a:tailEnd type="none" w="med" len="med"/>
+                    </a:lnR>
+                    <a:lnT w="12700" cap="flat" cmpd="sng" algn="ctr">
+                      <a:solidFill>
+                        <a:schemeClr val="tx1"/>
+                      </a:solidFill>
+                      <a:prstDash val="solid"/>
+                      <a:round/>
+                      <a:headEnd type="none" w="med" len="med"/>
+                      <a:tailEnd type="none" w="med" len="med"/>
+                    </a:lnT>
+                    <a:lnB w="12700" cap="flat" cmpd="sng" algn="ctr">
+                      <a:solidFill>
+                        <a:schemeClr val="tx1"/>
+                      </a:solidFill>
+                      <a:prstDash val="solid"/>
+                      <a:round/>
+                      <a:headEnd type="none" w="med" len="med"/>
+                      <a:tailEnd type="none" w="med" len="med"/>
+                    </a:lnB>
+                    <a:solidFill>
+                      <a:schemeClr val="bg1"/>
+                    </a:solidFill>
+                  </a:tcPr>
+                </a:tc>
+                <a:extLst>
+                  <a:ext uri="{0D108BD9-81ED-4DB2-BD59-A6C34878D82A}">
+                    <a16:rowId xmlns:a16="http://schemas.microsoft.com/office/drawing/2014/main" val="10000"/>
+                  </a:ext>
+                </a:extLst>
+              </a:tr>
+            </a:tbl>
+          </a:graphicData>
+        </a:graphic>
+      </p:graphicFrame>
+      <p:sp>
+        <p:nvSpPr>
+          <p:cNvPr id="13" name="TextBox 12"/>
+          <p:cNvSpPr txBox="1"/>
+          <p:nvPr/>
+        </p:nvSpPr>
+        <p:spPr>
+          <a:xfrm>
+            <a:off x="1538159" y="5465177"/>
+            <a:ext cx="4796287" cy="369332"/>
+          </a:xfrm>
+          <a:prstGeom prst="rect">
+            <a:avLst/>
+          </a:prstGeom>
+          <a:noFill/>
+        </p:spPr>
+        <p:txBody>
+          <a:bodyPr wrap="square" rtlCol="0">
+            <a:spAutoFit/>
+          </a:bodyPr>
+          <a:lstStyle/>
+          <a:p>
+            <a:r>
+              <a:rPr lang="en-GB" dirty="0">
+                <a:latin typeface="Times New Roman" panose="02020603050405020304" pitchFamily="18" charset="0"/>
+                <a:cs typeface="Times New Roman" panose="02020603050405020304" pitchFamily="18" charset="0"/>
+              </a:rPr>
+              <a:t>MUSICIAN</a:t>
+            </a:r>
+          </a:p>
+        </p:txBody>
+      </p:sp>
+      <p:graphicFrame>
+        <p:nvGraphicFramePr>
+          <p:cNvPr id="14" name="Table 13"/>
+          <p:cNvGraphicFramePr>
+            <a:graphicFrameLocks noGrp="1"/>
+          </p:cNvGraphicFramePr>
+          <p:nvPr>
+            <p:extLst>
+              <p:ext uri="{D42A27DB-BD31-4B8C-83A1-F6EECF244321}">
+                <p14:modId xmlns:p14="http://schemas.microsoft.com/office/powerpoint/2010/main" val="138572838"/>
+              </p:ext>
+            </p:extLst>
+          </p:nvPr>
+        </p:nvGraphicFramePr>
+        <p:xfrm>
+          <a:off x="1711404" y="4713140"/>
+          <a:ext cx="9324312" cy="370840"/>
+        </p:xfrm>
+        <a:graphic>
+          <a:graphicData uri="http://schemas.openxmlformats.org/drawingml/2006/table">
+            <a:tbl>
+              <a:tblPr firstRow="1" bandRow="1">
+                <a:tableStyleId>{073A0DAA-6AF3-43AB-8588-CEC1D06C72B9}</a:tableStyleId>
+              </a:tblPr>
+              <a:tblGrid>
+                <a:gridCol w="1554052">
+                  <a:extLst>
+                    <a:ext uri="{9D8B030D-6E8A-4147-A177-3AD203B41FA5}">
+                      <a16:colId xmlns:a16="http://schemas.microsoft.com/office/drawing/2014/main" val="20000"/>
+                    </a:ext>
+                  </a:extLst>
+                </a:gridCol>
+                <a:gridCol w="1554052">
+                  <a:extLst>
+                    <a:ext uri="{9D8B030D-6E8A-4147-A177-3AD203B41FA5}">
+                      <a16:colId xmlns:a16="http://schemas.microsoft.com/office/drawing/2014/main" val="20001"/>
+                    </a:ext>
+                  </a:extLst>
+                </a:gridCol>
+                <a:gridCol w="1554052">
+                  <a:extLst>
+                    <a:ext uri="{9D8B030D-6E8A-4147-A177-3AD203B41FA5}">
+                      <a16:colId xmlns:a16="http://schemas.microsoft.com/office/drawing/2014/main" val="20002"/>
+                    </a:ext>
+                  </a:extLst>
+                </a:gridCol>
+                <a:gridCol w="1554052">
+                  <a:extLst>
+                    <a:ext uri="{9D8B030D-6E8A-4147-A177-3AD203B41FA5}">
+                      <a16:colId xmlns:a16="http://schemas.microsoft.com/office/drawing/2014/main" val="20003"/>
+                    </a:ext>
+                  </a:extLst>
+                </a:gridCol>
+                <a:gridCol w="1554052">
+                  <a:extLst>
+                    <a:ext uri="{9D8B030D-6E8A-4147-A177-3AD203B41FA5}">
+                      <a16:colId xmlns:a16="http://schemas.microsoft.com/office/drawing/2014/main" val="20004"/>
+                    </a:ext>
+                  </a:extLst>
+                </a:gridCol>
+                <a:gridCol w="1554052">
+                  <a:extLst>
+                    <a:ext uri="{9D8B030D-6E8A-4147-A177-3AD203B41FA5}">
+                      <a16:colId xmlns:a16="http://schemas.microsoft.com/office/drawing/2014/main" val="20005"/>
+                    </a:ext>
+                  </a:extLst>
+                </a:gridCol>
+              </a:tblGrid>
+              <a:tr h="370840">
+                <a:tc>
+                  <a:txBody>
+                    <a:bodyPr/>
+                    <a:lstStyle/>
+                    <a:p>
+                      <a:pPr marL="0" algn="ctr" defTabSz="914400" rtl="0" eaLnBrk="1" latinLnBrk="0" hangingPunct="1"/>
+                      <a:r>
+                        <a:rPr lang="en-GB" sz="1800" b="0" u="sng" kern="1200" dirty="0">
+                          <a:solidFill>
+                            <a:schemeClr val="tx1"/>
+                          </a:solidFill>
+                          <a:latin typeface="Times New Roman" panose="02020603050405020304" pitchFamily="18" charset="0"/>
+                          <a:ea typeface="+mn-ea"/>
+                          <a:cs typeface="Times New Roman" panose="02020603050405020304" pitchFamily="18" charset="0"/>
+                        </a:rPr>
+                        <a:t>M</a:t>
+                      </a:r>
+                      <a:r>
+                        <a:rPr lang="en-US" sz="1800" b="0" u="sng" kern="1200" dirty="0">
+                          <a:solidFill>
+                            <a:schemeClr val="tx1"/>
+                          </a:solidFill>
+                          <a:latin typeface="Times New Roman" panose="02020603050405020304" pitchFamily="18" charset="0"/>
+                          <a:ea typeface="+mn-ea"/>
+                          <a:cs typeface="Times New Roman" panose="02020603050405020304" pitchFamily="18" charset="0"/>
+                        </a:rPr>
+                        <a:t>ember</a:t>
+                      </a:r>
+                      <a:r>
+                        <a:rPr lang="en-GB" sz="1800" b="0" u="sng" kern="1200" dirty="0">
+                          <a:solidFill>
+                            <a:schemeClr val="tx1"/>
+                          </a:solidFill>
+                          <a:latin typeface="Times New Roman" panose="02020603050405020304" pitchFamily="18" charset="0"/>
+                          <a:ea typeface="+mn-ea"/>
+                          <a:cs typeface="Times New Roman" panose="02020603050405020304" pitchFamily="18" charset="0"/>
+                        </a:rPr>
+                        <a:t>-ID</a:t>
+                      </a:r>
                     </a:p>
                   </a:txBody>
                   <a:tcPr>
@@ -4404,7 +4444,7 @@
                     <a:p>
                       <a:pPr marL="0" algn="ctr" defTabSz="914400" rtl="0" eaLnBrk="1" latinLnBrk="0" hangingPunct="1"/>
                       <a:r>
-                        <a:rPr lang="en-GB" sz="1800" b="0" kern="1200" dirty="0" smtClean="0">
+                        <a:rPr lang="en-GB" sz="1800" b="0" u="none" kern="1200" dirty="0">
                           <a:solidFill>
                             <a:schemeClr val="tx1"/>
                           </a:solidFill>
@@ -4412,16 +4452,8 @@
                           <a:ea typeface="+mn-ea"/>
                           <a:cs typeface="Times New Roman" panose="02020603050405020304" pitchFamily="18" charset="0"/>
                         </a:rPr>
-                        <a:t>B-NAME</a:t>
+                        <a:t>MU-NAME</a:t>
                       </a:r>
-                      <a:endParaRPr lang="en-GB" sz="1800" b="0" kern="1200" dirty="0">
-                        <a:solidFill>
-                          <a:schemeClr val="tx1"/>
-                        </a:solidFill>
-                        <a:latin typeface="Times New Roman" panose="02020603050405020304" pitchFamily="18" charset="0"/>
-                        <a:ea typeface="+mn-ea"/>
-                        <a:cs typeface="Times New Roman" panose="02020603050405020304" pitchFamily="18" charset="0"/>
-                      </a:endParaRPr>
                     </a:p>
                   </a:txBody>
                   <a:tcPr>
@@ -4473,7 +4505,7 @@
                     <a:p>
                       <a:pPr marL="0" algn="ctr" defTabSz="914400" rtl="0" eaLnBrk="1" latinLnBrk="0" hangingPunct="1"/>
                       <a:r>
-                        <a:rPr lang="en-GB" sz="1800" b="0" kern="1200" dirty="0" smtClean="0">
+                        <a:rPr lang="en-GB" sz="1800" b="0" kern="1200" dirty="0">
                           <a:solidFill>
                             <a:schemeClr val="tx1"/>
                           </a:solidFill>
@@ -4481,16 +4513,8 @@
                           <a:ea typeface="+mn-ea"/>
                           <a:cs typeface="Times New Roman" panose="02020603050405020304" pitchFamily="18" charset="0"/>
                         </a:rPr>
-                        <a:t>END-YEAR</a:t>
+                        <a:t>B-NAME</a:t>
                       </a:r>
-                      <a:endParaRPr lang="en-GB" sz="1800" b="0" kern="1200" dirty="0">
-                        <a:solidFill>
-                          <a:schemeClr val="tx1"/>
-                        </a:solidFill>
-                        <a:latin typeface="Times New Roman" panose="02020603050405020304" pitchFamily="18" charset="0"/>
-                        <a:ea typeface="+mn-ea"/>
-                        <a:cs typeface="Times New Roman" panose="02020603050405020304" pitchFamily="18" charset="0"/>
-                      </a:endParaRPr>
                     </a:p>
                   </a:txBody>
                   <a:tcPr>
@@ -4542,7 +4566,7 @@
                     <a:p>
                       <a:pPr marL="0" algn="ctr" defTabSz="914400" rtl="0" eaLnBrk="1" latinLnBrk="0" hangingPunct="1"/>
                       <a:r>
-                        <a:rPr lang="en-GB" sz="1800" b="0" kern="1200" dirty="0" smtClean="0">
+                        <a:rPr lang="en-GB" sz="1800" b="0" kern="1200" dirty="0">
                           <a:solidFill>
                             <a:schemeClr val="tx1"/>
                           </a:solidFill>
@@ -4550,16 +4574,8 @@
                           <a:ea typeface="+mn-ea"/>
                           <a:cs typeface="Times New Roman" panose="02020603050405020304" pitchFamily="18" charset="0"/>
                         </a:rPr>
-                        <a:t>START-YEAR</a:t>
+                        <a:t>END-YEAR</a:t>
                       </a:r>
-                      <a:endParaRPr lang="en-GB" sz="1800" b="0" kern="1200" dirty="0">
-                        <a:solidFill>
-                          <a:schemeClr val="tx1"/>
-                        </a:solidFill>
-                        <a:latin typeface="Times New Roman" panose="02020603050405020304" pitchFamily="18" charset="0"/>
-                        <a:ea typeface="+mn-ea"/>
-                        <a:cs typeface="Times New Roman" panose="02020603050405020304" pitchFamily="18" charset="0"/>
-                      </a:endParaRPr>
                     </a:p>
                   </a:txBody>
                   <a:tcPr>
@@ -4611,7 +4627,68 @@
                     <a:p>
                       <a:pPr marL="0" algn="ctr" defTabSz="914400" rtl="0" eaLnBrk="1" latinLnBrk="0" hangingPunct="1"/>
                       <a:r>
-                        <a:rPr lang="en-GB" sz="1800" b="0" kern="1200" dirty="0" smtClean="0">
+                        <a:rPr lang="en-GB" sz="1800" b="0" kern="1200" dirty="0">
+                          <a:solidFill>
+                            <a:schemeClr val="tx1"/>
+                          </a:solidFill>
+                          <a:latin typeface="Times New Roman" panose="02020603050405020304" pitchFamily="18" charset="0"/>
+                          <a:ea typeface="+mn-ea"/>
+                          <a:cs typeface="Times New Roman" panose="02020603050405020304" pitchFamily="18" charset="0"/>
+                        </a:rPr>
+                        <a:t>START-YEAR</a:t>
+                      </a:r>
+                    </a:p>
+                  </a:txBody>
+                  <a:tcPr>
+                    <a:lnL w="12700" cap="flat" cmpd="sng" algn="ctr">
+                      <a:solidFill>
+                        <a:schemeClr val="tx1"/>
+                      </a:solidFill>
+                      <a:prstDash val="solid"/>
+                      <a:round/>
+                      <a:headEnd type="none" w="med" len="med"/>
+                      <a:tailEnd type="none" w="med" len="med"/>
+                    </a:lnL>
+                    <a:lnR w="12700" cap="flat" cmpd="sng" algn="ctr">
+                      <a:solidFill>
+                        <a:schemeClr val="tx1"/>
+                      </a:solidFill>
+                      <a:prstDash val="solid"/>
+                      <a:round/>
+                      <a:headEnd type="none" w="med" len="med"/>
+                      <a:tailEnd type="none" w="med" len="med"/>
+                    </a:lnR>
+                    <a:lnT w="12700" cap="flat" cmpd="sng" algn="ctr">
+                      <a:solidFill>
+                        <a:schemeClr val="tx1"/>
+                      </a:solidFill>
+                      <a:prstDash val="solid"/>
+                      <a:round/>
+                      <a:headEnd type="none" w="med" len="med"/>
+                      <a:tailEnd type="none" w="med" len="med"/>
+                    </a:lnT>
+                    <a:lnB w="12700" cap="flat" cmpd="sng" algn="ctr">
+                      <a:solidFill>
+                        <a:schemeClr val="tx1"/>
+                      </a:solidFill>
+                      <a:prstDash val="solid"/>
+                      <a:round/>
+                      <a:headEnd type="none" w="med" len="med"/>
+                      <a:tailEnd type="none" w="med" len="med"/>
+                    </a:lnB>
+                    <a:solidFill>
+                      <a:schemeClr val="bg1"/>
+                    </a:solidFill>
+                  </a:tcPr>
+                </a:tc>
+                <a:tc>
+                  <a:txBody>
+                    <a:bodyPr/>
+                    <a:lstStyle/>
+                    <a:p>
+                      <a:pPr marL="0" algn="ctr" defTabSz="914400" rtl="0" eaLnBrk="1" latinLnBrk="0" hangingPunct="1"/>
+                      <a:r>
+                        <a:rPr lang="en-GB" sz="1800" b="0" kern="1200" dirty="0">
                           <a:solidFill>
                             <a:schemeClr val="tx1"/>
                           </a:solidFill>
@@ -4621,14 +4698,6 @@
                         </a:rPr>
                         <a:t>ROLE</a:t>
                       </a:r>
-                      <a:endParaRPr lang="en-GB" sz="1800" b="0" kern="1200" dirty="0">
-                        <a:solidFill>
-                          <a:schemeClr val="tx1"/>
-                        </a:solidFill>
-                        <a:latin typeface="Times New Roman" panose="02020603050405020304" pitchFamily="18" charset="0"/>
-                        <a:ea typeface="+mn-ea"/>
-                        <a:cs typeface="Times New Roman" panose="02020603050405020304" pitchFamily="18" charset="0"/>
-                      </a:endParaRPr>
                     </a:p>
                   </a:txBody>
                   <a:tcPr>
@@ -4673,6 +4742,11 @@
                     </a:solidFill>
                   </a:tcPr>
                 </a:tc>
+                <a:extLst>
+                  <a:ext uri="{0D108BD9-81ED-4DB2-BD59-A6C34878D82A}">
+                    <a16:rowId xmlns:a16="http://schemas.microsoft.com/office/drawing/2014/main" val="10000"/>
+                  </a:ext>
+                </a:extLst>
               </a:tr>
             </a:tbl>
           </a:graphicData>
@@ -4686,7 +4760,7 @@
         </p:nvSpPr>
         <p:spPr>
           <a:xfrm>
-            <a:off x="1723127" y="5419387"/>
+            <a:off x="1650700" y="4281987"/>
             <a:ext cx="4796287" cy="369332"/>
           </a:xfrm>
           <a:prstGeom prst="rect">
@@ -4701,49 +4775,50 @@
           <a:lstStyle/>
           <a:p>
             <a:r>
-              <a:rPr lang="en-GB" dirty="0" smtClean="0">
+              <a:rPr lang="en-GB" dirty="0">
                 <a:latin typeface="Times New Roman" panose="02020603050405020304" pitchFamily="18" charset="0"/>
                 <a:cs typeface="Times New Roman" panose="02020603050405020304" pitchFamily="18" charset="0"/>
               </a:rPr>
               <a:t>MEMBERSHIP</a:t>
             </a:r>
-            <a:endParaRPr lang="en-GB" dirty="0">
-              <a:latin typeface="Times New Roman" panose="02020603050405020304" pitchFamily="18" charset="0"/>
-              <a:cs typeface="Times New Roman" panose="02020603050405020304" pitchFamily="18" charset="0"/>
-            </a:endParaRPr>
           </a:p>
         </p:txBody>
       </p:sp>
       <p:cxnSp>
         <p:nvCxnSpPr>
-          <p:cNvPr id="17" name="Curved Connector 16"/>
-          <p:cNvCxnSpPr/>
+          <p:cNvPr id="4" name="Straight Arrow Connector 3">
+            <a:extLst>
+              <a:ext uri="{FF2B5EF4-FFF2-40B4-BE49-F238E27FC236}">
+                <a16:creationId xmlns:a16="http://schemas.microsoft.com/office/drawing/2014/main" id="{21A89B5E-6585-4048-835C-ED5E1E732F3F}"/>
+              </a:ext>
+            </a:extLst>
+          </p:cNvPr>
+          <p:cNvCxnSpPr>
+            <a:cxnSpLocks/>
+          </p:cNvCxnSpPr>
           <p:nvPr/>
         </p:nvCxnSpPr>
         <p:spPr>
-          <a:xfrm rot="16200000" flipV="1">
-            <a:off x="2963174" y="1289648"/>
-            <a:ext cx="992038" cy="552091"/>
+          <a:xfrm flipH="1" flipV="1">
+            <a:off x="1419225" y="2457300"/>
+            <a:ext cx="379312" cy="895736"/>
           </a:xfrm>
-          <a:prstGeom prst="curvedConnector3">
+          <a:prstGeom prst="straightConnector1">
             <a:avLst/>
           </a:prstGeom>
           <a:ln>
-            <a:solidFill>
-              <a:schemeClr val="tx1"/>
-            </a:solidFill>
             <a:tailEnd type="triangle"/>
           </a:ln>
         </p:spPr>
         <p:style>
           <a:lnRef idx="1">
-            <a:schemeClr val="accent1"/>
+            <a:schemeClr val="dk1"/>
           </a:lnRef>
           <a:fillRef idx="0">
-            <a:schemeClr val="accent1"/>
+            <a:schemeClr val="dk1"/>
           </a:fillRef>
           <a:effectRef idx="0">
-            <a:schemeClr val="accent1"/>
+            <a:schemeClr val="dk1"/>
           </a:effectRef>
           <a:fontRef idx="minor">
             <a:schemeClr val="tx1"/>
@@ -4752,34 +4827,37 @@
       </p:cxnSp>
       <p:cxnSp>
         <p:nvCxnSpPr>
-          <p:cNvPr id="27" name="Straight Arrow Connector 26"/>
+          <p:cNvPr id="23" name="Straight Arrow Connector 22">
+            <a:extLst>
+              <a:ext uri="{FF2B5EF4-FFF2-40B4-BE49-F238E27FC236}">
+                <a16:creationId xmlns:a16="http://schemas.microsoft.com/office/drawing/2014/main" id="{4AADE916-30E5-4B8C-A531-3C6B72FB03FE}"/>
+              </a:ext>
+            </a:extLst>
+          </p:cNvPr>
           <p:cNvCxnSpPr/>
           <p:nvPr/>
         </p:nvCxnSpPr>
         <p:spPr>
-          <a:xfrm flipV="1">
-            <a:off x="3735239" y="2389517"/>
-            <a:ext cx="1345719" cy="930048"/>
+          <a:xfrm flipH="1" flipV="1">
+            <a:off x="2719137" y="1010653"/>
+            <a:ext cx="325988" cy="1030003"/>
           </a:xfrm>
           <a:prstGeom prst="straightConnector1">
             <a:avLst/>
           </a:prstGeom>
           <a:ln>
-            <a:solidFill>
-              <a:schemeClr val="tx1"/>
-            </a:solidFill>
             <a:tailEnd type="triangle"/>
           </a:ln>
         </p:spPr>
         <p:style>
           <a:lnRef idx="1">
-            <a:schemeClr val="accent1"/>
+            <a:schemeClr val="dk1"/>
           </a:lnRef>
           <a:fillRef idx="0">
-            <a:schemeClr val="accent1"/>
+            <a:schemeClr val="dk1"/>
           </a:fillRef>
           <a:effectRef idx="0">
-            <a:schemeClr val="accent1"/>
+            <a:schemeClr val="dk1"/>
           </a:effectRef>
           <a:fontRef idx="minor">
             <a:schemeClr val="tx1"/>
@@ -4788,64 +4866,112 @@
       </p:cxnSp>
       <p:cxnSp>
         <p:nvCxnSpPr>
-          <p:cNvPr id="29" name="Curved Connector 28"/>
+          <p:cNvPr id="25" name="Straight Arrow Connector 24">
+            <a:extLst>
+              <a:ext uri="{FF2B5EF4-FFF2-40B4-BE49-F238E27FC236}">
+                <a16:creationId xmlns:a16="http://schemas.microsoft.com/office/drawing/2014/main" id="{BA755DCF-A568-46B9-8E11-B6B104711D37}"/>
+              </a:ext>
+            </a:extLst>
+          </p:cNvPr>
           <p:cNvCxnSpPr/>
           <p:nvPr/>
         </p:nvCxnSpPr>
         <p:spPr>
-          <a:xfrm rot="10800000">
-            <a:off x="3045126" y="4960190"/>
-            <a:ext cx="1285335" cy="931653"/>
+          <a:xfrm flipH="1" flipV="1">
+            <a:off x="3946358" y="1057844"/>
+            <a:ext cx="384103" cy="1025733"/>
           </a:xfrm>
-          <a:prstGeom prst="curvedConnector3">
+          <a:prstGeom prst="straightConnector1">
             <a:avLst/>
           </a:prstGeom>
           <a:ln>
-            <a:solidFill>
-              <a:schemeClr val="tx1"/>
-            </a:solidFill>
             <a:tailEnd type="triangle"/>
           </a:ln>
         </p:spPr>
         <p:style>
           <a:lnRef idx="1">
-            <a:schemeClr val="accent1"/>
+            <a:schemeClr val="dk1"/>
           </a:lnRef>
           <a:fillRef idx="0">
-            <a:schemeClr val="accent1"/>
+            <a:schemeClr val="dk1"/>
           </a:fillRef>
           <a:effectRef idx="0">
-            <a:schemeClr val="accent1"/>
+            <a:schemeClr val="dk1"/>
           </a:effectRef>
           <a:fontRef idx="minor">
             <a:schemeClr val="tx1"/>
           </a:fontRef>
         </p:style>
       </p:cxnSp>
-      <p:sp>
-        <p:nvSpPr>
-          <p:cNvPr id="44" name="Freeform 43"/>
+      <p:cxnSp>
+        <p:nvCxnSpPr>
+          <p:cNvPr id="30" name="Straight Arrow Connector 29">
+            <a:extLst>
+              <a:ext uri="{FF2B5EF4-FFF2-40B4-BE49-F238E27FC236}">
+                <a16:creationId xmlns:a16="http://schemas.microsoft.com/office/drawing/2014/main" id="{A88B41A8-0BEC-40E8-BFFB-612076C98E38}"/>
+              </a:ext>
+            </a:extLst>
+          </p:cNvPr>
+          <p:cNvCxnSpPr/>
+          <p:nvPr/>
+        </p:nvCxnSpPr>
+        <p:spPr>
+          <a:xfrm flipH="1">
+            <a:off x="2719137" y="5083980"/>
+            <a:ext cx="1082842" cy="840753"/>
+          </a:xfrm>
+          <a:prstGeom prst="straightConnector1">
+            <a:avLst/>
+          </a:prstGeom>
+          <a:ln>
+            <a:tailEnd type="triangle"/>
+          </a:ln>
+        </p:spPr>
+        <p:style>
+          <a:lnRef idx="1">
+            <a:schemeClr val="dk1"/>
+          </a:lnRef>
+          <a:fillRef idx="0">
+            <a:schemeClr val="dk1"/>
+          </a:fillRef>
+          <a:effectRef idx="0">
+            <a:schemeClr val="dk1"/>
+          </a:effectRef>
+          <a:fontRef idx="minor">
+            <a:schemeClr val="tx1"/>
+          </a:fontRef>
+        </p:style>
+      </p:cxnSp>
+      <p:sp>
+        <p:nvSpPr>
+          <p:cNvPr id="31" name="Freeform: Shape 30">
+            <a:extLst>
+              <a:ext uri="{FF2B5EF4-FFF2-40B4-BE49-F238E27FC236}">
+                <a16:creationId xmlns:a16="http://schemas.microsoft.com/office/drawing/2014/main" id="{50F57121-0E57-4D68-95D2-8DE9E2F62044}"/>
+              </a:ext>
+            </a:extLst>
+          </p:cNvPr>
           <p:cNvSpPr/>
           <p:nvPr/>
         </p:nvSpPr>
         <p:spPr>
           <a:xfrm>
-            <a:off x="743856" y="2325634"/>
-            <a:ext cx="1050438" cy="1168064"/>
+            <a:off x="2474813" y="1010654"/>
+            <a:ext cx="8797690" cy="3765884"/>
           </a:xfrm>
           <a:custGeom>
             <a:avLst/>
             <a:gdLst>
-              <a:gd name="connsiteX0" fmla="*/ 1050438 w 1050438"/>
-              <a:gd name="connsiteY0" fmla="*/ 1168064 h 1168064"/>
-              <a:gd name="connsiteX1" fmla="*/ 256808 w 1050438"/>
-              <a:gd name="connsiteY1" fmla="*/ 823008 h 1168064"/>
-              <a:gd name="connsiteX2" fmla="*/ 15269 w 1050438"/>
-              <a:gd name="connsiteY2" fmla="*/ 72509 h 1168064"/>
-              <a:gd name="connsiteX3" fmla="*/ 23895 w 1050438"/>
-              <a:gd name="connsiteY3" fmla="*/ 29377 h 1168064"/>
-              <a:gd name="connsiteX4" fmla="*/ 23895 w 1050438"/>
-              <a:gd name="connsiteY4" fmla="*/ 29377 h 1168064"/>
+              <a:gd name="connsiteX0" fmla="*/ 3767374 w 9252688"/>
+              <a:gd name="connsiteY0" fmla="*/ 3753853 h 3753853"/>
+              <a:gd name="connsiteX1" fmla="*/ 9217680 w 9252688"/>
+              <a:gd name="connsiteY1" fmla="*/ 1287379 h 3753853"/>
+              <a:gd name="connsiteX2" fmla="*/ 1433248 w 9252688"/>
+              <a:gd name="connsiteY2" fmla="*/ 385011 h 3753853"/>
+              <a:gd name="connsiteX3" fmla="*/ 1490 w 9252688"/>
+              <a:gd name="connsiteY3" fmla="*/ 0 h 3753853"/>
+              <a:gd name="connsiteX4" fmla="*/ 1490 w 9252688"/>
+              <a:gd name="connsiteY4" fmla="*/ 0 h 3753853"/>
             </a:gdLst>
             <a:ahLst/>
             <a:cxnLst>
@@ -4867,144 +4993,44 @@
             </a:cxnLst>
             <a:rect l="l" t="t" r="r" b="b"/>
             <a:pathLst>
-              <a:path w="1050438" h="1168064">
+              <a:path w="9252688" h="3753853">
                 <a:moveTo>
-                  <a:pt x="1050438" y="1168064"/>
+                  <a:pt x="3767374" y="3753853"/>
                 </a:moveTo>
                 <a:cubicBezTo>
-                  <a:pt x="739887" y="1086832"/>
-                  <a:pt x="429336" y="1005600"/>
-                  <a:pt x="256808" y="823008"/>
+                  <a:pt x="6687037" y="2801353"/>
+                  <a:pt x="9606701" y="1848853"/>
+                  <a:pt x="9217680" y="1287379"/>
                 </a:cubicBezTo>
                 <a:cubicBezTo>
-                  <a:pt x="84280" y="640416"/>
-                  <a:pt x="54088" y="204781"/>
-                  <a:pt x="15269" y="72509"/>
+                  <a:pt x="8828659" y="725905"/>
+                  <a:pt x="2969280" y="599574"/>
+                  <a:pt x="1433248" y="385011"/>
                 </a:cubicBezTo>
                 <a:cubicBezTo>
-                  <a:pt x="-23550" y="-59763"/>
-                  <a:pt x="23895" y="29377"/>
-                  <a:pt x="23895" y="29377"/>
+                  <a:pt x="-102784" y="170448"/>
+                  <a:pt x="1490" y="0"/>
+                  <a:pt x="1490" y="0"/>
                 </a:cubicBezTo>
                 <a:lnTo>
-                  <a:pt x="23895" y="29377"/>
+                  <a:pt x="1490" y="0"/>
                 </a:lnTo>
               </a:path>
             </a:pathLst>
           </a:custGeom>
-          <a:noFill/>
         </p:spPr>
         <p:style>
-          <a:lnRef idx="2">
-            <a:schemeClr val="accent1">
-              <a:shade val="50000"/>
-            </a:schemeClr>
+          <a:lnRef idx="1">
+            <a:schemeClr val="dk1"/>
           </a:lnRef>
-          <a:fillRef idx="1">
-            <a:schemeClr val="accent1"/>
+          <a:fillRef idx="0">
+            <a:schemeClr val="dk1"/>
           </a:fillRef>
           <a:effectRef idx="0">
-            <a:schemeClr val="accent1"/>
+            <a:schemeClr val="dk1"/>
           </a:effectRef>
           <a:fontRef idx="minor">
-            <a:schemeClr val="lt1"/>
-          </a:fontRef>
-        </p:style>
-        <p:txBody>
-          <a:bodyPr rtlCol="0" anchor="ctr"/>
-          <a:lstStyle/>
-          <a:p>
-            <a:pPr algn="ctr"/>
-            <a:endParaRPr lang="en-GB"/>
-          </a:p>
-        </p:txBody>
-      </p:sp>
-      <p:sp>
-        <p:nvSpPr>
-          <p:cNvPr id="45" name="Freeform 44"/>
-          <p:cNvSpPr/>
-          <p:nvPr/>
-        </p:nvSpPr>
-        <p:spPr>
-          <a:xfrm>
-            <a:off x="2682544" y="1043796"/>
-            <a:ext cx="7014032" cy="4848046"/>
-          </a:xfrm>
-          <a:custGeom>
-            <a:avLst/>
-            <a:gdLst>
-              <a:gd name="connsiteX0" fmla="*/ 3493969 w 7014032"/>
-              <a:gd name="connsiteY0" fmla="*/ 4848046 h 4848046"/>
-              <a:gd name="connsiteX1" fmla="*/ 6961788 w 7014032"/>
-              <a:gd name="connsiteY1" fmla="*/ 966159 h 4848046"/>
-              <a:gd name="connsiteX2" fmla="*/ 1113079 w 7014032"/>
-              <a:gd name="connsiteY2" fmla="*/ 353683 h 4848046"/>
-              <a:gd name="connsiteX3" fmla="*/ 271 w 7014032"/>
-              <a:gd name="connsiteY3" fmla="*/ 0 h 4848046"/>
-              <a:gd name="connsiteX4" fmla="*/ 271 w 7014032"/>
-              <a:gd name="connsiteY4" fmla="*/ 0 h 4848046"/>
-            </a:gdLst>
-            <a:ahLst/>
-            <a:cxnLst>
-              <a:cxn ang="0">
-                <a:pos x="connsiteX0" y="connsiteY0"/>
-              </a:cxn>
-              <a:cxn ang="0">
-                <a:pos x="connsiteX1" y="connsiteY1"/>
-              </a:cxn>
-              <a:cxn ang="0">
-                <a:pos x="connsiteX2" y="connsiteY2"/>
-              </a:cxn>
-              <a:cxn ang="0">
-                <a:pos x="connsiteX3" y="connsiteY3"/>
-              </a:cxn>
-              <a:cxn ang="0">
-                <a:pos x="connsiteX4" y="connsiteY4"/>
-              </a:cxn>
-            </a:cxnLst>
-            <a:rect l="l" t="t" r="r" b="b"/>
-            <a:pathLst>
-              <a:path w="7014032" h="4848046">
-                <a:moveTo>
-                  <a:pt x="3493969" y="4848046"/>
-                </a:moveTo>
-                <a:cubicBezTo>
-                  <a:pt x="5426286" y="3281633"/>
-                  <a:pt x="7358603" y="1715220"/>
-                  <a:pt x="6961788" y="966159"/>
-                </a:cubicBezTo>
-                <a:cubicBezTo>
-                  <a:pt x="6564973" y="217098"/>
-                  <a:pt x="2273332" y="514709"/>
-                  <a:pt x="1113079" y="353683"/>
-                </a:cubicBezTo>
-                <a:cubicBezTo>
-                  <a:pt x="-47174" y="192657"/>
-                  <a:pt x="271" y="0"/>
-                  <a:pt x="271" y="0"/>
-                </a:cubicBezTo>
-                <a:lnTo>
-                  <a:pt x="271" y="0"/>
-                </a:lnTo>
-              </a:path>
-            </a:pathLst>
-          </a:custGeom>
-          <a:noFill/>
-        </p:spPr>
-        <p:style>
-          <a:lnRef idx="2">
-            <a:schemeClr val="accent1">
-              <a:shade val="50000"/>
-            </a:schemeClr>
-          </a:lnRef>
-          <a:fillRef idx="1">
-            <a:schemeClr val="accent1"/>
-          </a:fillRef>
-          <a:effectRef idx="0">
-            <a:schemeClr val="accent1"/>
-          </a:effectRef>
-          <a:fontRef idx="minor">
-            <a:schemeClr val="lt1"/>
+            <a:schemeClr val="tx1"/>
           </a:fontRef>
         </p:style>
         <p:txBody>
@@ -5026,13 +5052,6 @@
   <p:clrMapOvr>
     <a:masterClrMapping/>
   </p:clrMapOvr>
-  <p:timing>
-    <p:tnLst>
-      <p:par>
-        <p:cTn id="1" dur="indefinite" restart="never" nodeType="tmRoot"/>
-      </p:par>
-    </p:tnLst>
-  </p:timing>
 </p:sld>
 </file>
 
